--- a/Lectures/In Class/Disinfection.pptx
+++ b/Lectures/In Class/Disinfection.pptx
@@ -5,10 +5,10 @@
     <p:sldMasterId id="2147483678" r:id="rId1"/>
   </p:sldMasterIdLst>
   <p:notesMasterIdLst>
-    <p:notesMasterId r:id="rId41"/>
+    <p:notesMasterId r:id="rId42"/>
   </p:notesMasterIdLst>
   <p:handoutMasterIdLst>
-    <p:handoutMasterId r:id="rId42"/>
+    <p:handoutMasterId r:id="rId43"/>
   </p:handoutMasterIdLst>
   <p:sldIdLst>
     <p:sldId id="256" r:id="rId2"/>
@@ -32,24 +32,25 @@
     <p:sldId id="323" r:id="rId20"/>
     <p:sldId id="324" r:id="rId21"/>
     <p:sldId id="325" r:id="rId22"/>
-    <p:sldId id="291" r:id="rId23"/>
-    <p:sldId id="306" r:id="rId24"/>
-    <p:sldId id="344" r:id="rId25"/>
-    <p:sldId id="297" r:id="rId26"/>
-    <p:sldId id="355" r:id="rId27"/>
-    <p:sldId id="354" r:id="rId28"/>
-    <p:sldId id="260" r:id="rId29"/>
-    <p:sldId id="312" r:id="rId30"/>
-    <p:sldId id="261" r:id="rId31"/>
-    <p:sldId id="262" r:id="rId32"/>
-    <p:sldId id="263" r:id="rId33"/>
-    <p:sldId id="277" r:id="rId34"/>
-    <p:sldId id="319" r:id="rId35"/>
-    <p:sldId id="356" r:id="rId36"/>
-    <p:sldId id="316" r:id="rId37"/>
-    <p:sldId id="304" r:id="rId38"/>
-    <p:sldId id="286" r:id="rId39"/>
-    <p:sldId id="363" r:id="rId40"/>
+    <p:sldId id="376" r:id="rId23"/>
+    <p:sldId id="291" r:id="rId24"/>
+    <p:sldId id="306" r:id="rId25"/>
+    <p:sldId id="344" r:id="rId26"/>
+    <p:sldId id="297" r:id="rId27"/>
+    <p:sldId id="355" r:id="rId28"/>
+    <p:sldId id="354" r:id="rId29"/>
+    <p:sldId id="260" r:id="rId30"/>
+    <p:sldId id="312" r:id="rId31"/>
+    <p:sldId id="261" r:id="rId32"/>
+    <p:sldId id="262" r:id="rId33"/>
+    <p:sldId id="263" r:id="rId34"/>
+    <p:sldId id="277" r:id="rId35"/>
+    <p:sldId id="319" r:id="rId36"/>
+    <p:sldId id="356" r:id="rId37"/>
+    <p:sldId id="316" r:id="rId38"/>
+    <p:sldId id="304" r:id="rId39"/>
+    <p:sldId id="286" r:id="rId40"/>
+    <p:sldId id="363" r:id="rId41"/>
   </p:sldIdLst>
   <p:sldSz cx="9144000" cy="6858000" type="screen4x3"/>
   <p:notesSz cx="7315200" cy="9601200"/>
@@ -2559,6 +2560,10 @@
               </a:rPr>
               <a:t>Alicia Peters</a:t>
             </a:r>
+            <a:r>
+              <a:rPr lang="it-IT" dirty="0"/>
+              <a:t/>
+            </a:r>
             <a:br>
               <a:rPr lang="it-IT" dirty="0"/>
             </a:br>
@@ -2575,6 +2580,10 @@
               </a:rPr>
               <a:t>David Gold</a:t>
             </a:r>
+            <a:r>
+              <a:rPr lang="it-IT" dirty="0"/>
+              <a:t/>
+            </a:r>
             <a:br>
               <a:rPr lang="it-IT" dirty="0"/>
             </a:br>
@@ -2590,6 +2599,10 @@
                 <a:hlinkClick r:id="rId5"/>
               </a:rPr>
               <a:t>Weier Chen</a:t>
+            </a:r>
+            <a:r>
+              <a:rPr lang="it-IT" dirty="0"/>
+              <a:t/>
             </a:r>
             <a:br>
               <a:rPr lang="it-IT" dirty="0"/>
@@ -3398,7 +3411,7 @@
             <a:fld id="{2709213C-813C-4C6B-BC21-5129DEC41547}" type="slidenum">
               <a:rPr lang="en-US"/>
               <a:pPr/>
-              <a:t>22</a:t>
+              <a:t>23</a:t>
             </a:fld>
             <a:endParaRPr lang="en-US"/>
           </a:p>
@@ -3485,7 +3498,7 @@
             <a:fld id="{DD2B923A-D8E8-4BF5-A517-3597A428FA01}" type="slidenum">
               <a:rPr lang="en-US"/>
               <a:pPr/>
-              <a:t>23</a:t>
+              <a:t>24</a:t>
             </a:fld>
             <a:endParaRPr lang="en-US"/>
           </a:p>
@@ -3656,7 +3669,7 @@
             <a:fld id="{7C13C30D-F85C-4021-8625-5CB9AA5DB501}" type="slidenum">
               <a:rPr lang="en-US"/>
               <a:pPr/>
-              <a:t>24</a:t>
+              <a:t>25</a:t>
             </a:fld>
             <a:endParaRPr lang="en-US"/>
           </a:p>
@@ -3743,7 +3756,7 @@
             <a:fld id="{F67A56E8-E32E-4B36-A3A0-55BD2730AC5B}" type="slidenum">
               <a:rPr lang="en-US"/>
               <a:pPr/>
-              <a:t>25</a:t>
+              <a:t>26</a:t>
             </a:fld>
             <a:endParaRPr lang="en-US"/>
           </a:p>
@@ -3830,7 +3843,7 @@
             <a:fld id="{83C427C6-CB10-445E-9E37-3839848EBBE8}" type="slidenum">
               <a:rPr lang="en-US"/>
               <a:pPr/>
-              <a:t>28</a:t>
+              <a:t>29</a:t>
             </a:fld>
             <a:endParaRPr lang="en-US"/>
           </a:p>
@@ -3914,7 +3927,7 @@
             <a:fld id="{C57D6DC6-4F73-4BD4-848B-1C431FF25016}" type="slidenum">
               <a:rPr lang="en-US"/>
               <a:pPr/>
-              <a:t>29</a:t>
+              <a:t>30</a:t>
             </a:fld>
             <a:endParaRPr lang="en-US"/>
           </a:p>
@@ -3998,7 +4011,7 @@
             <a:fld id="{C798D255-82C8-4A99-B3C3-06E2C36414DE}" type="slidenum">
               <a:rPr lang="en-US"/>
               <a:pPr/>
-              <a:t>30</a:t>
+              <a:t>31</a:t>
             </a:fld>
             <a:endParaRPr lang="en-US"/>
           </a:p>
@@ -4082,7 +4095,7 @@
             <a:fld id="{CE1A8165-21C2-46FC-8C65-50DAA2C530AC}" type="slidenum">
               <a:rPr lang="en-US"/>
               <a:pPr/>
-              <a:t>31</a:t>
+              <a:t>32</a:t>
             </a:fld>
             <a:endParaRPr lang="en-US"/>
           </a:p>
@@ -4166,7 +4179,7 @@
             <a:fld id="{7BEB69F8-9497-411A-AA0E-D904554A2F44}" type="slidenum">
               <a:rPr lang="en-US"/>
               <a:pPr/>
-              <a:t>32</a:t>
+              <a:t>33</a:t>
             </a:fld>
             <a:endParaRPr lang="en-US"/>
           </a:p>
@@ -4250,7 +4263,7 @@
             <a:fld id="{71785113-2223-4021-8CC1-BBA380C8905D}" type="slidenum">
               <a:rPr lang="en-US"/>
               <a:pPr/>
-              <a:t>33</a:t>
+              <a:t>34</a:t>
             </a:fld>
             <a:endParaRPr lang="en-US"/>
           </a:p>
@@ -4343,7 +4356,7 @@
             <a:fld id="{2461D89D-337D-4BBB-B79A-36BC77E7F56F}" type="slidenum">
               <a:rPr lang="en-US"/>
               <a:pPr/>
-              <a:t>34</a:t>
+              <a:t>35</a:t>
             </a:fld>
             <a:endParaRPr lang="en-US"/>
           </a:p>
@@ -4430,7 +4443,7 @@
             <a:fld id="{2F06BB88-3A39-4FF1-974A-B2C0014C5BEB}" type="slidenum">
               <a:rPr lang="en-US"/>
               <a:pPr/>
-              <a:t>36</a:t>
+              <a:t>37</a:t>
             </a:fld>
             <a:endParaRPr lang="en-US"/>
           </a:p>
@@ -4620,7 +4633,7 @@
             <a:fld id="{5B796CB3-725A-49B3-9C1F-CBED9111F2C4}" type="slidenum">
               <a:rPr lang="en-US"/>
               <a:pPr/>
-              <a:t>37</a:t>
+              <a:t>38</a:t>
             </a:fld>
             <a:endParaRPr lang="en-US"/>
           </a:p>
@@ -4710,7 +4723,7 @@
             <a:fld id="{3641CE6F-D645-4319-92B8-4A05A890FAB2}" type="slidenum">
               <a:rPr lang="en-US"/>
               <a:pPr/>
-              <a:t>38</a:t>
+              <a:t>39</a:t>
             </a:fld>
             <a:endParaRPr lang="en-US"/>
           </a:p>
@@ -5164,6 +5177,10 @@
               </a:rPr>
               <a:t>Alicia Peters</a:t>
             </a:r>
+            <a:r>
+              <a:rPr lang="it-IT" dirty="0"/>
+              <a:t/>
+            </a:r>
             <a:br>
               <a:rPr lang="it-IT" dirty="0"/>
             </a:br>
@@ -5180,6 +5197,10 @@
               </a:rPr>
               <a:t>David Gold</a:t>
             </a:r>
+            <a:r>
+              <a:rPr lang="it-IT" dirty="0"/>
+              <a:t/>
+            </a:r>
             <a:br>
               <a:rPr lang="it-IT" dirty="0"/>
             </a:br>
@@ -5195,6 +5216,10 @@
                 <a:hlinkClick r:id="rId5"/>
               </a:rPr>
               <a:t>Weier Chen</a:t>
+            </a:r>
+            <a:r>
+              <a:rPr lang="it-IT" dirty="0"/>
+              <a:t/>
             </a:r>
             <a:br>
               <a:rPr lang="it-IT" dirty="0"/>
@@ -5409,6 +5434,10 @@
               </a:rPr>
               <a:t>Alicia Peters</a:t>
             </a:r>
+            <a:r>
+              <a:rPr lang="it-IT" dirty="0"/>
+              <a:t/>
+            </a:r>
             <a:br>
               <a:rPr lang="it-IT" dirty="0"/>
             </a:br>
@@ -5425,6 +5454,10 @@
               </a:rPr>
               <a:t>David Gold</a:t>
             </a:r>
+            <a:r>
+              <a:rPr lang="it-IT" dirty="0"/>
+              <a:t/>
+            </a:r>
             <a:br>
               <a:rPr lang="it-IT" dirty="0"/>
             </a:br>
@@ -5440,6 +5473,10 @@
                 <a:hlinkClick r:id="rId5"/>
               </a:rPr>
               <a:t>Weier Chen</a:t>
+            </a:r>
+            <a:r>
+              <a:rPr lang="it-IT" dirty="0"/>
+              <a:t/>
             </a:r>
             <a:br>
               <a:rPr lang="it-IT" dirty="0"/>
@@ -5661,6 +5698,10 @@
               </a:rPr>
               <a:t>Alicia Peters</a:t>
             </a:r>
+            <a:r>
+              <a:rPr lang="it-IT" dirty="0"/>
+              <a:t/>
+            </a:r>
             <a:br>
               <a:rPr lang="it-IT" dirty="0"/>
             </a:br>
@@ -5677,6 +5718,10 @@
               </a:rPr>
               <a:t>David Gold</a:t>
             </a:r>
+            <a:r>
+              <a:rPr lang="it-IT" dirty="0"/>
+              <a:t/>
+            </a:r>
             <a:br>
               <a:rPr lang="it-IT" dirty="0"/>
             </a:br>
@@ -5692,6 +5737,10 @@
                 <a:hlinkClick r:id="rId5"/>
               </a:rPr>
               <a:t>Weier Chen</a:t>
+            </a:r>
+            <a:r>
+              <a:rPr lang="it-IT" dirty="0"/>
+              <a:t/>
             </a:r>
             <a:br>
               <a:rPr lang="it-IT" dirty="0"/>
@@ -8718,6 +8767,13 @@
   <p:transition>
     <p:fade/>
   </p:transition>
+  <p:timing>
+    <p:tnLst>
+      <p:par>
+        <p:cTn id="1" dur="indefinite" restart="never" nodeType="tmRoot"/>
+      </p:par>
+    </p:tnLst>
+  </p:timing>
 </p:sld>
 </file>
 
@@ -8757,8 +8813,17 @@
               <a:rPr lang="en-US" dirty="0">
                 <a:sym typeface="Calibri"/>
               </a:rPr>
-              <a:t>Cross Contamination is a </a:t>
-            </a:r>
+              <a:t>Cross Contamination </a:t>
+            </a:r>
+            <a:r>
+              <a:rPr lang="en-US" dirty="0" smtClean="0">
+                <a:sym typeface="Calibri"/>
+              </a:rPr>
+              <a:t>is </a:t>
+            </a:r>
+            <a:endParaRPr lang="en-US" dirty="0">
+              <a:sym typeface="Calibri"/>
+            </a:endParaRPr>
           </a:p>
         </p:txBody>
       </p:sp>
@@ -8958,6 +9023,13 @@
   <p:transition spd="slow">
     <p:cut/>
   </p:transition>
+  <p:timing>
+    <p:tnLst>
+      <p:par>
+        <p:cTn id="1" dur="indefinite" restart="never" nodeType="tmRoot"/>
+      </p:par>
+    </p:tnLst>
+  </p:timing>
 </p:sld>
 </file>
 
@@ -9092,6 +9164,13 @@
   <p:transition>
     <p:fade/>
   </p:transition>
+  <p:timing>
+    <p:tnLst>
+      <p:par>
+        <p:cTn id="1" dur="indefinite" restart="never" nodeType="tmRoot"/>
+      </p:par>
+    </p:tnLst>
+  </p:timing>
 </p:sld>
 </file>
 
@@ -9223,6 +9302,13 @@
   <p:transition>
     <p:fade/>
   </p:transition>
+  <p:timing>
+    <p:tnLst>
+      <p:par>
+        <p:cTn id="1" dur="indefinite" restart="never" nodeType="tmRoot"/>
+      </p:par>
+    </p:tnLst>
+  </p:timing>
 </p:sld>
 </file>
 
@@ -9283,7 +9369,7 @@
           <a:graphicData uri="http://schemas.openxmlformats.org/presentationml/2006/ole">
             <mc:AlternateContent xmlns:mc="http://schemas.openxmlformats.org/markup-compatibility/2006">
               <mc:Choice xmlns:v="urn:schemas-microsoft-com:vml" Requires="v">
-                <p:oleObj spid="_x0000_s53268" name="Chart" r:id="rId4" imgW="6696143" imgH="4505415" progId="Excel.Sheet.8">
+                <p:oleObj spid="_x0000_s53271" name="Chart" r:id="rId4" imgW="6696143" imgH="4505415" progId="Excel.Sheet.8">
                   <p:embed followColorScheme="full"/>
                 </p:oleObj>
               </mc:Choice>
@@ -9695,7 +9781,7 @@
           <a:graphicData uri="http://schemas.openxmlformats.org/presentationml/2006/ole">
             <mc:AlternateContent xmlns:mc="http://schemas.openxmlformats.org/markup-compatibility/2006">
               <mc:Choice xmlns:v="urn:schemas-microsoft-com:vml" Requires="v">
-                <p:oleObj spid="_x0000_s358418" name="Chart" r:id="rId3" imgW="6696143" imgH="4505415" progId="Excel.Sheet.8">
+                <p:oleObj spid="_x0000_s358421" name="Chart" r:id="rId3" imgW="6696143" imgH="4505415" progId="Excel.Sheet.8">
                   <p:embed followColorScheme="full"/>
                 </p:oleObj>
               </mc:Choice>
@@ -9822,6 +9908,13 @@
   <p:transition>
     <p:fade/>
   </p:transition>
+  <p:timing>
+    <p:tnLst>
+      <p:par>
+        <p:cTn id="1" dur="indefinite" restart="never" nodeType="tmRoot"/>
+      </p:par>
+    </p:tnLst>
+  </p:timing>
 </p:sld>
 </file>
 
@@ -9946,6 +10039,13 @@
   <p:transition>
     <p:fade/>
   </p:transition>
+  <p:timing>
+    <p:tnLst>
+      <p:par>
+        <p:cTn id="1" dur="indefinite" restart="never" nodeType="tmRoot"/>
+      </p:par>
+    </p:tnLst>
+  </p:timing>
 </p:sld>
 </file>
 
@@ -10047,6 +10147,13 @@
   <p:transition>
     <p:fade/>
   </p:transition>
+  <p:timing>
+    <p:tnLst>
+      <p:par>
+        <p:cTn id="1" dur="indefinite" restart="never" nodeType="tmRoot"/>
+      </p:par>
+    </p:tnLst>
+  </p:timing>
 </p:sld>
 </file>
 
@@ -10262,7 +10369,7 @@
             <a:graphicData uri="http://schemas.openxmlformats.org/presentationml/2006/ole">
               <mc:AlternateContent xmlns:mc="http://schemas.openxmlformats.org/markup-compatibility/2006">
                 <mc:Choice xmlns:v="urn:schemas-microsoft-com:vml" Requires="v">
-                  <p:oleObj spid="_x0000_s167962" name="Equation" r:id="rId5" imgW="685800" imgH="380880" progId="Equation.DSMT4">
+                  <p:oleObj spid="_x0000_s167965" name="Equation" r:id="rId5" imgW="685800" imgH="380880" progId="Equation.DSMT4">
                     <p:embed/>
                   </p:oleObj>
                 </mc:Choice>
@@ -16048,6 +16155,13 @@
   <p:transition>
     <p:fade/>
   </p:transition>
+  <p:timing>
+    <p:tnLst>
+      <p:par>
+        <p:cTn id="1" dur="indefinite" restart="never" nodeType="tmRoot"/>
+      </p:par>
+    </p:tnLst>
+  </p:timing>
 </p:sld>
 </file>
 
@@ -19044,10 +19158,191 @@
   <p:transition>
     <p:fade/>
   </p:transition>
+  <p:timing>
+    <p:tnLst>
+      <p:par>
+        <p:cTn id="1" dur="indefinite" restart="never" nodeType="tmRoot"/>
+      </p:par>
+    </p:tnLst>
+  </p:timing>
 </p:sld>
 </file>
 
 <file path=ppt/slides/slide22.xml><?xml version="1.0" encoding="utf-8"?>
+<p:sld xmlns:a="http://schemas.openxmlformats.org/drawingml/2006/main" xmlns:r="http://schemas.openxmlformats.org/officeDocument/2006/relationships" xmlns:p="http://schemas.openxmlformats.org/presentationml/2006/main">
+  <p:cSld>
+    <p:spTree>
+      <p:nvGrpSpPr>
+        <p:cNvPr id="1" name=""/>
+        <p:cNvGrpSpPr/>
+        <p:nvPr/>
+      </p:nvGrpSpPr>
+      <p:grpSpPr>
+        <a:xfrm>
+          <a:off x="0" y="0"/>
+          <a:ext cx="0" cy="0"/>
+          <a:chOff x="0" y="0"/>
+          <a:chExt cx="0" cy="0"/>
+        </a:xfrm>
+      </p:grpSpPr>
+      <p:sp>
+        <p:nvSpPr>
+          <p:cNvPr id="2" name="Title 1"/>
+          <p:cNvSpPr>
+            <a:spLocks noGrp="1"/>
+          </p:cNvSpPr>
+          <p:nvPr>
+            <p:ph type="title"/>
+          </p:nvPr>
+        </p:nvSpPr>
+        <p:spPr/>
+        <p:txBody>
+          <a:bodyPr/>
+          <a:lstStyle/>
+          <a:p>
+            <a:r>
+              <a:rPr lang="en-US" dirty="0" smtClean="0"/>
+              <a:t>Two towns</a:t>
+            </a:r>
+            <a:endParaRPr lang="en-US" dirty="0"/>
+          </a:p>
+        </p:txBody>
+      </p:sp>
+      <p:sp>
+        <p:nvSpPr>
+          <p:cNvPr id="3" name="Content Placeholder 2"/>
+          <p:cNvSpPr>
+            <a:spLocks noGrp="1"/>
+          </p:cNvSpPr>
+          <p:nvPr>
+            <p:ph sz="half" idx="1"/>
+          </p:nvPr>
+        </p:nvSpPr>
+        <p:spPr/>
+        <p:txBody>
+          <a:bodyPr/>
+          <a:lstStyle/>
+          <a:p>
+            <a:r>
+              <a:rPr lang="en-US" dirty="0" smtClean="0"/>
+              <a:t>Population 2000</a:t>
+            </a:r>
+          </a:p>
+          <a:p>
+            <a:r>
+              <a:rPr lang="en-US" dirty="0" smtClean="0"/>
+              <a:t>2 to 800 NTU</a:t>
+            </a:r>
+          </a:p>
+          <a:p>
+            <a:r>
+              <a:rPr lang="en-US" dirty="0" smtClean="0"/>
+              <a:t>Full AguaClara plant</a:t>
+            </a:r>
+          </a:p>
+          <a:p>
+            <a:endParaRPr lang="en-US" dirty="0"/>
+          </a:p>
+        </p:txBody>
+      </p:sp>
+      <p:sp>
+        <p:nvSpPr>
+          <p:cNvPr id="4" name="Content Placeholder 3"/>
+          <p:cNvSpPr>
+            <a:spLocks noGrp="1"/>
+          </p:cNvSpPr>
+          <p:nvPr>
+            <p:ph sz="half" idx="2"/>
+          </p:nvPr>
+        </p:nvSpPr>
+        <p:spPr/>
+        <p:txBody>
+          <a:bodyPr/>
+          <a:lstStyle/>
+          <a:p>
+            <a:r>
+              <a:rPr lang="en-US" dirty="0"/>
+              <a:t>Population 2000 </a:t>
+            </a:r>
+            <a:endParaRPr lang="en-US" dirty="0" smtClean="0"/>
+          </a:p>
+          <a:p>
+            <a:r>
+              <a:rPr lang="en-US" dirty="0" smtClean="0"/>
+              <a:t>0.5-3 NTU</a:t>
+            </a:r>
+          </a:p>
+          <a:p>
+            <a:r>
+              <a:rPr lang="en-US" dirty="0" smtClean="0"/>
+              <a:t>Chlorination (could be chlorine tablets or could be AguaClara </a:t>
+            </a:r>
+            <a:r>
+              <a:rPr lang="en-US" dirty="0" err="1" smtClean="0"/>
+              <a:t>doser</a:t>
+            </a:r>
+            <a:r>
+              <a:rPr lang="en-US" dirty="0" smtClean="0"/>
+              <a:t>)</a:t>
+            </a:r>
+            <a:endParaRPr lang="en-US" dirty="0"/>
+          </a:p>
+        </p:txBody>
+      </p:sp>
+      <p:sp>
+        <p:nvSpPr>
+          <p:cNvPr id="5" name="TextBox 4"/>
+          <p:cNvSpPr txBox="1"/>
+          <p:nvPr/>
+        </p:nvSpPr>
+        <p:spPr>
+          <a:xfrm>
+            <a:off x="924708" y="4741168"/>
+            <a:ext cx="7142184" cy="1384995"/>
+          </a:xfrm>
+          <a:prstGeom prst="rect">
+            <a:avLst/>
+          </a:prstGeom>
+          <a:noFill/>
+        </p:spPr>
+        <p:txBody>
+          <a:bodyPr wrap="square" rtlCol="0">
+            <a:spAutoFit/>
+          </a:bodyPr>
+          <a:lstStyle/>
+          <a:p>
+            <a:r>
+              <a:rPr lang="en-US" dirty="0" smtClean="0"/>
+              <a:t>Compare these two for water quality, customer acceptance, sustainability, what happens during a treatment failure, required water tariff, etc.</a:t>
+            </a:r>
+            <a:endParaRPr lang="en-US" dirty="0"/>
+          </a:p>
+        </p:txBody>
+      </p:sp>
+    </p:spTree>
+    <p:extLst>
+      <p:ext uri="{BB962C8B-B14F-4D97-AF65-F5344CB8AC3E}">
+        <p14:creationId xmlns:p14="http://schemas.microsoft.com/office/powerpoint/2010/main" val="4260778982"/>
+      </p:ext>
+    </p:extLst>
+  </p:cSld>
+  <p:clrMapOvr>
+    <a:masterClrMapping/>
+  </p:clrMapOvr>
+  <p:transition>
+    <p:fade/>
+  </p:transition>
+  <p:timing>
+    <p:tnLst>
+      <p:par>
+        <p:cTn id="1" dur="indefinite" restart="never" nodeType="tmRoot"/>
+      </p:par>
+    </p:tnLst>
+  </p:timing>
+</p:sld>
+</file>
+
+<file path=ppt/slides/slide23.xml><?xml version="1.0" encoding="utf-8"?>
 <p:sld xmlns:a="http://schemas.openxmlformats.org/drawingml/2006/main" xmlns:r="http://schemas.openxmlformats.org/officeDocument/2006/relationships" xmlns:p="http://schemas.openxmlformats.org/presentationml/2006/main">
   <p:cSld>
     <p:spTree>
@@ -19125,8 +19420,17 @@
             </a:pPr>
             <a:r>
               <a:rPr lang="en-US" sz="2800" dirty="0"/>
-              <a:t>Then you will likely recommend chlorination as the first line of defense in the Global South-</a:t>
-            </a:r>
+              <a:t>Then you will likely recommend chlorination as the first line of defense in the </a:t>
+            </a:r>
+            <a:r>
+              <a:rPr lang="en-US" sz="2800" dirty="0"/>
+              <a:t>Majority </a:t>
+            </a:r>
+            <a:r>
+              <a:rPr lang="en-US" sz="2800" dirty="0" smtClean="0"/>
+              <a:t>World-</a:t>
+            </a:r>
+            <a:endParaRPr lang="en-US" sz="2800" dirty="0"/>
           </a:p>
           <a:p>
             <a:pPr>
@@ -19136,8 +19440,13 @@
             </a:pPr>
             <a:r>
               <a:rPr lang="en-US" sz="2800" dirty="0"/>
-              <a:t>But in small systems (in the Global South)</a:t>
-            </a:r>
+              <a:t>But in small systems (in the </a:t>
+            </a:r>
+            <a:r>
+              <a:rPr lang="en-US" sz="2800" dirty="0" smtClean="0"/>
+              <a:t>Majority World)</a:t>
+            </a:r>
+            <a:endParaRPr lang="en-US" sz="2800" dirty="0"/>
           </a:p>
           <a:p>
             <a:pPr lvl="1">
@@ -19544,7 +19853,7 @@
 </p:sld>
 </file>
 
-<file path=ppt/slides/slide23.xml><?xml version="1.0" encoding="utf-8"?>
+<file path=ppt/slides/slide24.xml><?xml version="1.0" encoding="utf-8"?>
 <p:sld xmlns:a="http://schemas.openxmlformats.org/drawingml/2006/main" xmlns:r="http://schemas.openxmlformats.org/officeDocument/2006/relationships" xmlns:p="http://schemas.openxmlformats.org/presentationml/2006/main">
   <p:cSld>
     <p:spTree>
@@ -19656,7 +19965,7 @@
           <a:graphicData uri="http://schemas.openxmlformats.org/presentationml/2006/ole">
             <mc:AlternateContent xmlns:mc="http://schemas.openxmlformats.org/markup-compatibility/2006">
               <mc:Choice xmlns:v="urn:schemas-microsoft-com:vml" Requires="v">
-                <p:oleObj spid="_x0000_s134164" name="Chart" r:id="rId4" imgW="4943543" imgH="2866935" progId="Excel.Sheet.8">
+                <p:oleObj spid="_x0000_s134167" name="Chart" r:id="rId4" imgW="4943543" imgH="2866935" progId="Excel.Sheet.8">
                   <p:embed followColorScheme="full"/>
                 </p:oleObj>
               </mc:Choice>
@@ -19780,10 +20089,17 @@
   <p:transition>
     <p:fade/>
   </p:transition>
+  <p:timing>
+    <p:tnLst>
+      <p:par>
+        <p:cTn id="1" dur="indefinite" restart="never" nodeType="tmRoot"/>
+      </p:par>
+    </p:tnLst>
+  </p:timing>
 </p:sld>
 </file>
 
-<file path=ppt/slides/slide24.xml><?xml version="1.0" encoding="utf-8"?>
+<file path=ppt/slides/slide25.xml><?xml version="1.0" encoding="utf-8"?>
 <p:sld xmlns:a="http://schemas.openxmlformats.org/drawingml/2006/main" xmlns:r="http://schemas.openxmlformats.org/officeDocument/2006/relationships" xmlns:p="http://schemas.openxmlformats.org/presentationml/2006/main">
   <p:cSld>
     <p:spTree>
@@ -19892,10 +20208,17 @@
   <p:transition>
     <p:fade/>
   </p:transition>
+  <p:timing>
+    <p:tnLst>
+      <p:par>
+        <p:cTn id="1" dur="indefinite" restart="never" nodeType="tmRoot"/>
+      </p:par>
+    </p:tnLst>
+  </p:timing>
 </p:sld>
 </file>
 
-<file path=ppt/slides/slide25.xml><?xml version="1.0" encoding="utf-8"?>
+<file path=ppt/slides/slide26.xml><?xml version="1.0" encoding="utf-8"?>
 <p:sld xmlns:a="http://schemas.openxmlformats.org/drawingml/2006/main" xmlns:r="http://schemas.openxmlformats.org/officeDocument/2006/relationships" xmlns:p="http://schemas.openxmlformats.org/presentationml/2006/main">
   <p:cSld>
     <p:spTree>
@@ -23600,10 +23923,17 @@
   <p:transition>
     <p:fade/>
   </p:transition>
+  <p:timing>
+    <p:tnLst>
+      <p:par>
+        <p:cTn id="1" dur="indefinite" restart="never" nodeType="tmRoot"/>
+      </p:par>
+    </p:tnLst>
+  </p:timing>
 </p:sld>
 </file>
 
-<file path=ppt/slides/slide26.xml><?xml version="1.0" encoding="utf-8"?>
+<file path=ppt/slides/slide27.xml><?xml version="1.0" encoding="utf-8"?>
 <p:sld xmlns:a="http://schemas.openxmlformats.org/drawingml/2006/main" xmlns:r="http://schemas.openxmlformats.org/officeDocument/2006/relationships" xmlns:p="http://schemas.openxmlformats.org/presentationml/2006/main">
   <p:cSld>
     <p:spTree>
@@ -23658,7 +23988,7 @@
           <a:graphicData uri="http://schemas.openxmlformats.org/presentationml/2006/ole">
             <mc:AlternateContent xmlns:mc="http://schemas.openxmlformats.org/markup-compatibility/2006">
               <mc:Choice xmlns:v="urn:schemas-microsoft-com:vml" Requires="v">
-                <p:oleObj spid="_x0000_s294947" name="Mathcad" r:id="rId3" imgW="1162080" imgH="1438200" progId="Mathcad">
+                <p:oleObj spid="_x0000_s294953" name="Mathcad" r:id="rId3" imgW="1162080" imgH="1438200" progId="Mathcad">
                   <p:embed/>
                 </p:oleObj>
               </mc:Choice>
@@ -23751,7 +24081,7 @@
           <a:graphicData uri="http://schemas.openxmlformats.org/presentationml/2006/ole">
             <mc:AlternateContent xmlns:mc="http://schemas.openxmlformats.org/markup-compatibility/2006">
               <mc:Choice xmlns:v="urn:schemas-microsoft-com:vml" Requires="v">
-                <p:oleObj spid="_x0000_s294948" name="Mathcad" r:id="rId5" imgW="1209600" imgH="1495440" progId="Mathcad">
+                <p:oleObj spid="_x0000_s294954" name="Mathcad" r:id="rId5" imgW="1209600" imgH="1495440" progId="Mathcad">
                   <p:embed/>
                 </p:oleObj>
               </mc:Choice>
@@ -23914,7 +24244,7 @@
 </p:sld>
 </file>
 
-<file path=ppt/slides/slide27.xml><?xml version="1.0" encoding="utf-8"?>
+<file path=ppt/slides/slide28.xml><?xml version="1.0" encoding="utf-8"?>
 <p:sld xmlns:a="http://schemas.openxmlformats.org/drawingml/2006/main" xmlns:r="http://schemas.openxmlformats.org/officeDocument/2006/relationships" xmlns:p="http://schemas.openxmlformats.org/presentationml/2006/main">
   <p:cSld>
     <p:spTree>
@@ -25717,7 +26047,7 @@
 </p:sld>
 </file>
 
-<file path=ppt/slides/slide28.xml><?xml version="1.0" encoding="utf-8"?>
+<file path=ppt/slides/slide29.xml><?xml version="1.0" encoding="utf-8"?>
 <p:sld xmlns:a="http://schemas.openxmlformats.org/drawingml/2006/main" xmlns:r="http://schemas.openxmlformats.org/officeDocument/2006/relationships" xmlns:p="http://schemas.openxmlformats.org/presentationml/2006/main">
   <p:cSld>
     <p:spTree>
@@ -26973,674 +27303,6 @@
 </p:sld>
 </file>
 
-<file path=ppt/slides/slide29.xml><?xml version="1.0" encoding="utf-8"?>
-<p:sld xmlns:a="http://schemas.openxmlformats.org/drawingml/2006/main" xmlns:r="http://schemas.openxmlformats.org/officeDocument/2006/relationships" xmlns:p="http://schemas.openxmlformats.org/presentationml/2006/main">
-  <p:cSld>
-    <p:spTree>
-      <p:nvGrpSpPr>
-        <p:cNvPr id="1" name=""/>
-        <p:cNvGrpSpPr/>
-        <p:nvPr/>
-      </p:nvGrpSpPr>
-      <p:grpSpPr>
-        <a:xfrm>
-          <a:off x="0" y="0"/>
-          <a:ext cx="0" cy="0"/>
-          <a:chOff x="0" y="0"/>
-          <a:chExt cx="0" cy="0"/>
-        </a:xfrm>
-      </p:grpSpPr>
-      <p:sp>
-        <p:nvSpPr>
-          <p:cNvPr id="145410" name="Rectangle 2"/>
-          <p:cNvSpPr>
-            <a:spLocks noGrp="1" noChangeArrowheads="1"/>
-          </p:cNvSpPr>
-          <p:nvPr>
-            <p:ph type="title"/>
-          </p:nvPr>
-        </p:nvSpPr>
-        <p:spPr>
-          <a:effectLst/>
-        </p:spPr>
-        <p:txBody>
-          <a:bodyPr/>
-          <a:lstStyle/>
-          <a:p>
-            <a:r>
-              <a:rPr lang="en-US" dirty="0"/>
-              <a:t>Chlorine and pH</a:t>
-            </a:r>
-          </a:p>
-        </p:txBody>
-      </p:sp>
-      <p:sp>
-        <p:nvSpPr>
-          <p:cNvPr id="145411" name="Rectangle 3"/>
-          <p:cNvSpPr>
-            <a:spLocks noGrp="1" noChangeArrowheads="1"/>
-          </p:cNvSpPr>
-          <p:nvPr>
-            <p:ph idx="1"/>
-          </p:nvPr>
-        </p:nvSpPr>
-        <p:spPr>
-          <a:xfrm>
-            <a:off x="242888" y="1981200"/>
-            <a:ext cx="4002087" cy="4656138"/>
-          </a:xfrm>
-        </p:spPr>
-        <p:txBody>
-          <a:bodyPr/>
-          <a:lstStyle/>
-          <a:p>
-            <a:r>
-              <a:rPr lang="en-US" sz="2800">
-                <a:solidFill>
-                  <a:schemeClr val="accent1"/>
-                </a:solidFill>
-                <a:sym typeface="Symbol" pitchFamily="18" charset="2"/>
-              </a:rPr>
-              <a:t>HOCl</a:t>
-            </a:r>
-            <a:r>
-              <a:rPr lang="en-US" sz="2800">
-                <a:sym typeface="Symbol" pitchFamily="18" charset="2"/>
-              </a:rPr>
-              <a:t> is the more effective disinfectant</a:t>
-            </a:r>
-          </a:p>
-          <a:p>
-            <a:r>
-              <a:rPr lang="en-US" sz="2800">
-                <a:sym typeface="Symbol" pitchFamily="18" charset="2"/>
-              </a:rPr>
-              <a:t>Therefore chlorine disinfection is more effective at ________ pH</a:t>
-            </a:r>
-          </a:p>
-          <a:p>
-            <a:r>
-              <a:rPr lang="en-US" sz="2800">
-                <a:sym typeface="Symbol" pitchFamily="18" charset="2"/>
-              </a:rPr>
-              <a:t>Dissociation constant is 10</a:t>
-            </a:r>
-            <a:r>
-              <a:rPr lang="en-US" sz="2800" baseline="30000">
-                <a:sym typeface="Symbol" pitchFamily="18" charset="2"/>
-              </a:rPr>
-              <a:t>-7.5</a:t>
-            </a:r>
-          </a:p>
-          <a:p>
-            <a:r>
-              <a:rPr lang="en-US" sz="2800">
-                <a:solidFill>
-                  <a:schemeClr val="accent1"/>
-                </a:solidFill>
-                <a:sym typeface="Symbol" pitchFamily="18" charset="2"/>
-              </a:rPr>
-              <a:t>HOCl</a:t>
-            </a:r>
-            <a:r>
-              <a:rPr lang="en-US" sz="2800">
-                <a:sym typeface="Symbol" pitchFamily="18" charset="2"/>
-              </a:rPr>
-              <a:t> and </a:t>
-            </a:r>
-            <a:r>
-              <a:rPr lang="en-US" sz="2800">
-                <a:solidFill>
-                  <a:schemeClr val="accent2"/>
-                </a:solidFill>
-                <a:sym typeface="Symbol" pitchFamily="18" charset="2"/>
-              </a:rPr>
-              <a:t>OCl</a:t>
-            </a:r>
-            <a:r>
-              <a:rPr lang="en-US" sz="2800" baseline="30000">
-                <a:solidFill>
-                  <a:schemeClr val="accent2"/>
-                </a:solidFill>
-                <a:sym typeface="Symbol" pitchFamily="18" charset="2"/>
-              </a:rPr>
-              <a:t>-</a:t>
-            </a:r>
-            <a:r>
-              <a:rPr lang="en-US" sz="2800">
-                <a:sym typeface="Symbol" pitchFamily="18" charset="2"/>
-              </a:rPr>
-              <a:t> are in equilibrium at pH 7.5</a:t>
-            </a:r>
-          </a:p>
-          <a:p>
-            <a:endParaRPr lang="en-US" sz="2800"/>
-          </a:p>
-        </p:txBody>
-      </p:sp>
-      <p:graphicFrame>
-        <p:nvGraphicFramePr>
-          <p:cNvPr id="145412" name="Object 4"/>
-          <p:cNvGraphicFramePr>
-            <a:graphicFrameLocks noChangeAspect="1"/>
-          </p:cNvGraphicFramePr>
-          <p:nvPr/>
-        </p:nvGraphicFramePr>
-        <p:xfrm>
-          <a:off x="4010025" y="1944687"/>
-          <a:ext cx="5438775" cy="3586005"/>
-        </p:xfrm>
-        <a:graphic>
-          <a:graphicData uri="http://schemas.openxmlformats.org/presentationml/2006/ole">
-            <mc:AlternateContent xmlns:mc="http://schemas.openxmlformats.org/markup-compatibility/2006">
-              <mc:Choice xmlns:v="urn:schemas-microsoft-com:vml" Requires="v">
-                <p:oleObj spid="_x0000_s145449" name="Worksheet" r:id="rId5" imgW="7267643" imgH="4352835" progId="Excel.Sheet.8">
-                  <p:embed followColorScheme="full"/>
-                </p:oleObj>
-              </mc:Choice>
-              <mc:Fallback>
-                <p:oleObj name="Worksheet" r:id="rId5" imgW="7267643" imgH="4352835" progId="Excel.Sheet.8">
-                  <p:embed followColorScheme="full"/>
-                  <p:pic>
-                    <p:nvPicPr>
-                      <p:cNvPr id="0" name="Picture 4"/>
-                      <p:cNvPicPr>
-                        <a:picLocks noChangeAspect="1" noChangeArrowheads="1"/>
-                      </p:cNvPicPr>
-                      <p:nvPr/>
-                    </p:nvPicPr>
-                    <p:blipFill>
-                      <a:blip r:embed="rId6">
-                        <a:extLst>
-                          <a:ext uri="{28A0092B-C50C-407E-A947-70E740481C1C}">
-                            <a14:useLocalDpi xmlns:a14="http://schemas.microsoft.com/office/drawing/2010/main" val="0"/>
-                          </a:ext>
-                        </a:extLst>
-                      </a:blip>
-                      <a:srcRect/>
-                      <a:stretch>
-                        <a:fillRect/>
-                      </a:stretch>
-                    </p:blipFill>
-                    <p:spPr bwMode="auto">
-                      <a:xfrm>
-                        <a:off x="4010025" y="1944687"/>
-                        <a:ext cx="5438775" cy="3586005"/>
-                      </a:xfrm>
-                      <a:prstGeom prst="rect">
-                        <a:avLst/>
-                      </a:prstGeom>
-                      <a:noFill/>
-                      <a:ln>
-                        <a:noFill/>
-                      </a:ln>
-                      <a:effectLst/>
-                      <a:extLst>
-                        <a:ext uri="{909E8E84-426E-40DD-AFC4-6F175D3DCCD1}">
-                          <a14:hiddenFill xmlns:a14="http://schemas.microsoft.com/office/drawing/2010/main">
-                            <a:solidFill>
-                              <a:schemeClr val="bg1"/>
-                            </a:solidFill>
-                          </a14:hiddenFill>
-                        </a:ext>
-                        <a:ext uri="{91240B29-F687-4F45-9708-019B960494DF}">
-                          <a14:hiddenLine xmlns:a14="http://schemas.microsoft.com/office/drawing/2010/main" w="12700">
-                            <a:solidFill>
-                              <a:schemeClr val="tx1"/>
-                            </a:solidFill>
-                            <a:miter lim="800000"/>
-                            <a:headEnd type="none" w="lg" len="med"/>
-                            <a:tailEnd type="none" w="lg" len="med"/>
-                          </a14:hiddenLine>
-                        </a:ext>
-                        <a:ext uri="{AF507438-7753-43E0-B8FC-AC1667EBCBE1}">
-                          <a14:hiddenEffects xmlns:a14="http://schemas.microsoft.com/office/drawing/2010/main">
-                            <a:effectLst>
-                              <a:outerShdw dist="35921" dir="2700000" algn="ctr" rotWithShape="0">
-                                <a:schemeClr val="bg2"/>
-                              </a:outerShdw>
-                            </a:effectLst>
-                          </a14:hiddenEffects>
-                        </a:ext>
-                      </a:extLst>
-                    </p:spPr>
-                  </p:pic>
-                </p:oleObj>
-              </mc:Fallback>
-            </mc:AlternateContent>
-          </a:graphicData>
-        </a:graphic>
-      </p:graphicFrame>
-      <p:sp>
-        <p:nvSpPr>
-          <p:cNvPr id="145413" name="Comment 5"/>
-          <p:cNvSpPr>
-            <a:spLocks noChangeArrowheads="1"/>
-          </p:cNvSpPr>
-          <p:nvPr/>
-        </p:nvSpPr>
-        <p:spPr bwMode="auto">
-          <a:xfrm>
-            <a:off x="2446338" y="3733800"/>
-            <a:ext cx="793750" cy="579438"/>
-          </a:xfrm>
-          <a:prstGeom prst="rect">
-            <a:avLst/>
-          </a:prstGeom>
-          <a:noFill/>
-          <a:ln w="12700">
-            <a:noFill/>
-            <a:miter lim="800000"/>
-            <a:headEnd type="none" w="sm" len="sm"/>
-            <a:tailEnd type="none" w="sm" len="sm"/>
-          </a:ln>
-          <a:effectLst/>
-        </p:spPr>
-        <p:txBody>
-          <a:bodyPr wrap="none">
-            <a:spAutoFit/>
-          </a:bodyPr>
-          <a:lstStyle/>
-          <a:p>
-            <a:pPr>
-              <a:buClr>
-                <a:schemeClr val="hlink"/>
-              </a:buClr>
-              <a:buFont typeface="Monotype Sorts" pitchFamily="2" charset="2"/>
-              <a:buNone/>
-            </a:pPr>
-            <a:r>
-              <a:rPr lang="en-US" sz="3200">
-                <a:solidFill>
-                  <a:schemeClr val="folHlink"/>
-                </a:solidFill>
-              </a:rPr>
-              <a:t>low</a:t>
-            </a:r>
-          </a:p>
-        </p:txBody>
-      </p:sp>
-      <p:sp>
-        <p:nvSpPr>
-          <p:cNvPr id="145415" name="Rectangle 7"/>
-          <p:cNvSpPr>
-            <a:spLocks noChangeArrowheads="1"/>
-          </p:cNvSpPr>
-          <p:nvPr/>
-        </p:nvSpPr>
-        <p:spPr bwMode="auto">
-          <a:xfrm>
-            <a:off x="5168900" y="1754188"/>
-            <a:ext cx="3425825" cy="579437"/>
-          </a:xfrm>
-          <a:prstGeom prst="rect">
-            <a:avLst/>
-          </a:prstGeom>
-          <a:noFill/>
-          <a:ln w="12700">
-            <a:noFill/>
-            <a:miter lim="800000"/>
-            <a:headEnd type="none" w="lg" len="med"/>
-            <a:tailEnd type="none" w="lg" len="med"/>
-          </a:ln>
-          <a:effectLst/>
-        </p:spPr>
-        <p:txBody>
-          <a:bodyPr wrap="none">
-            <a:spAutoFit/>
-          </a:bodyPr>
-          <a:lstStyle/>
-          <a:p>
-            <a:r>
-              <a:rPr lang="en-US" sz="3200">
-                <a:solidFill>
-                  <a:schemeClr val="accent1"/>
-                </a:solidFill>
-                <a:sym typeface="Symbol" pitchFamily="18" charset="2"/>
-              </a:rPr>
-              <a:t>HOCl</a:t>
-            </a:r>
-            <a:r>
-              <a:rPr lang="en-US" sz="3200">
-                <a:sym typeface="Symbol" pitchFamily="18" charset="2"/>
-              </a:rPr>
-              <a:t>  H</a:t>
-            </a:r>
-            <a:r>
-              <a:rPr lang="en-US" sz="3200" baseline="30000">
-                <a:sym typeface="Symbol" pitchFamily="18" charset="2"/>
-              </a:rPr>
-              <a:t>+</a:t>
-            </a:r>
-            <a:r>
-              <a:rPr lang="en-US" sz="3200">
-                <a:sym typeface="Symbol" pitchFamily="18" charset="2"/>
-              </a:rPr>
-              <a:t> + </a:t>
-            </a:r>
-            <a:r>
-              <a:rPr lang="en-US" sz="3200">
-                <a:solidFill>
-                  <a:schemeClr val="accent2"/>
-                </a:solidFill>
-                <a:sym typeface="Symbol" pitchFamily="18" charset="2"/>
-              </a:rPr>
-              <a:t>OCl</a:t>
-            </a:r>
-            <a:r>
-              <a:rPr lang="en-US" sz="3200" baseline="30000">
-                <a:solidFill>
-                  <a:schemeClr val="accent2"/>
-                </a:solidFill>
-                <a:sym typeface="Symbol" pitchFamily="18" charset="2"/>
-              </a:rPr>
-              <a:t>-</a:t>
-            </a:r>
-          </a:p>
-        </p:txBody>
-      </p:sp>
-      <p:sp>
-        <p:nvSpPr>
-          <p:cNvPr id="145417" name="Line 9"/>
-          <p:cNvSpPr>
-            <a:spLocks noChangeShapeType="1"/>
-          </p:cNvSpPr>
-          <p:nvPr/>
-        </p:nvSpPr>
-        <p:spPr bwMode="auto">
-          <a:xfrm>
-            <a:off x="6951663" y="3200400"/>
-            <a:ext cx="0" cy="2189163"/>
-          </a:xfrm>
-          <a:prstGeom prst="line">
-            <a:avLst/>
-          </a:prstGeom>
-          <a:noFill/>
-          <a:ln w="12700">
-            <a:solidFill>
-              <a:schemeClr val="folHlink"/>
-            </a:solidFill>
-            <a:round/>
-            <a:headEnd type="none" w="lg" len="med"/>
-            <a:tailEnd type="none" w="lg" len="med"/>
-          </a:ln>
-          <a:effectLst/>
-        </p:spPr>
-        <p:txBody>
-          <a:bodyPr wrap="none" anchor="ctr">
-            <a:spAutoFit/>
-          </a:bodyPr>
-          <a:lstStyle/>
-          <a:p>
-            <a:endParaRPr lang="en-US"/>
-          </a:p>
-        </p:txBody>
-      </p:sp>
-      <p:sp>
-        <p:nvSpPr>
-          <p:cNvPr id="145416" name="Text Box 8"/>
-          <p:cNvSpPr txBox="1">
-            <a:spLocks noChangeArrowheads="1"/>
-          </p:cNvSpPr>
-          <p:nvPr/>
-        </p:nvSpPr>
-        <p:spPr bwMode="auto">
-          <a:xfrm>
-            <a:off x="6705600" y="4459288"/>
-            <a:ext cx="539750" cy="519112"/>
-          </a:xfrm>
-          <a:prstGeom prst="rect">
-            <a:avLst/>
-          </a:prstGeom>
-          <a:solidFill>
-            <a:schemeClr val="bg1"/>
-          </a:solidFill>
-          <a:ln w="12700">
-            <a:noFill/>
-            <a:miter lim="800000"/>
-            <a:headEnd type="none" w="lg" len="med"/>
-            <a:tailEnd type="none" w="lg" len="med"/>
-          </a:ln>
-          <a:effectLst/>
-        </p:spPr>
-        <p:txBody>
-          <a:bodyPr wrap="none">
-            <a:spAutoFit/>
-          </a:bodyPr>
-          <a:lstStyle/>
-          <a:p>
-            <a:r>
-              <a:rPr lang="en-US">
-                <a:solidFill>
-                  <a:schemeClr val="folHlink"/>
-                </a:solidFill>
-              </a:rPr>
-              <a:t>pk</a:t>
-            </a:r>
-          </a:p>
-        </p:txBody>
-      </p:sp>
-      <p:pic>
-        <p:nvPicPr>
-          <p:cNvPr id="7" name="Picture 6">
-            <a:extLst>
-              <a:ext uri="{FF2B5EF4-FFF2-40B4-BE49-F238E27FC236}">
-                <a16:creationId xmlns:a16="http://schemas.microsoft.com/office/drawing/2014/main" id="{497E78C2-BDB9-4666-95A1-F4ECF477E932}"/>
-              </a:ext>
-            </a:extLst>
-          </p:cNvPr>
-          <p:cNvPicPr>
-            <a:picLocks noChangeAspect="1"/>
-          </p:cNvPicPr>
-          <p:nvPr>
-            <p:custDataLst>
-              <p:tags r:id="rId2"/>
-            </p:custDataLst>
-          </p:nvPr>
-        </p:nvPicPr>
-        <p:blipFill>
-          <a:blip r:embed="rId7" cstate="print">
-            <a:extLst>
-              <a:ext uri="{28A0092B-C50C-407E-A947-70E740481C1C}">
-                <a14:useLocalDpi xmlns:a14="http://schemas.microsoft.com/office/drawing/2010/main" val="0"/>
-              </a:ext>
-            </a:extLst>
-          </a:blip>
-          <a:stretch>
-            <a:fillRect/>
-          </a:stretch>
-        </p:blipFill>
-        <p:spPr>
-          <a:xfrm>
-            <a:off x="4636837" y="5744738"/>
-            <a:ext cx="4278562" cy="718081"/>
-          </a:xfrm>
-          <a:prstGeom prst="rect">
-            <a:avLst/>
-          </a:prstGeom>
-        </p:spPr>
-      </p:pic>
-    </p:spTree>
-  </p:cSld>
-  <p:clrMapOvr>
-    <a:masterClrMapping/>
-  </p:clrMapOvr>
-  <p:transition>
-    <p:fade/>
-  </p:transition>
-  <p:timing>
-    <p:tnLst>
-      <p:par>
-        <p:cTn id="1" dur="indefinite" restart="never" nodeType="tmRoot">
-          <p:childTnLst>
-            <p:seq concurrent="1" nextAc="seek">
-              <p:cTn id="2" dur="indefinite" nodeType="mainSeq">
-                <p:childTnLst>
-                  <p:par>
-                    <p:cTn id="3" fill="hold">
-                      <p:stCondLst>
-                        <p:cond delay="indefinite"/>
-                      </p:stCondLst>
-                      <p:childTnLst>
-                        <p:par>
-                          <p:cTn id="4" fill="hold">
-                            <p:stCondLst>
-                              <p:cond delay="0"/>
-                            </p:stCondLst>
-                            <p:childTnLst>
-                              <p:par>
-                                <p:cTn id="5" presetID="1" presetClass="entr" presetSubtype="0" fill="hold" grpId="0" nodeType="clickEffect">
-                                  <p:stCondLst>
-                                    <p:cond delay="0"/>
-                                  </p:stCondLst>
-                                  <p:childTnLst>
-                                    <p:set>
-                                      <p:cBhvr>
-                                        <p:cTn id="6" dur="1" fill="hold">
-                                          <p:stCondLst>
-                                            <p:cond delay="499"/>
-                                          </p:stCondLst>
-                                        </p:cTn>
-                                        <p:tgtEl>
-                                          <p:spTgt spid="145413"/>
-                                        </p:tgtEl>
-                                        <p:attrNameLst>
-                                          <p:attrName>style.visibility</p:attrName>
-                                        </p:attrNameLst>
-                                      </p:cBhvr>
-                                      <p:to>
-                                        <p:strVal val="visible"/>
-                                      </p:to>
-                                    </p:set>
-                                  </p:childTnLst>
-                                </p:cTn>
-                              </p:par>
-                            </p:childTnLst>
-                          </p:cTn>
-                        </p:par>
-                      </p:childTnLst>
-                    </p:cTn>
-                  </p:par>
-                  <p:par>
-                    <p:cTn id="7" fill="hold">
-                      <p:stCondLst>
-                        <p:cond delay="indefinite"/>
-                      </p:stCondLst>
-                      <p:childTnLst>
-                        <p:par>
-                          <p:cTn id="8" fill="hold">
-                            <p:stCondLst>
-                              <p:cond delay="0"/>
-                            </p:stCondLst>
-                            <p:childTnLst>
-                              <p:par>
-                                <p:cTn id="9" presetID="1" presetClass="entr" presetSubtype="0" fill="hold" grpId="0" nodeType="clickEffect">
-                                  <p:stCondLst>
-                                    <p:cond delay="0"/>
-                                  </p:stCondLst>
-                                  <p:childTnLst>
-                                    <p:set>
-                                      <p:cBhvr>
-                                        <p:cTn id="10" dur="1" fill="hold">
-                                          <p:stCondLst>
-                                            <p:cond delay="0"/>
-                                          </p:stCondLst>
-                                        </p:cTn>
-                                        <p:tgtEl>
-                                          <p:spTgt spid="145417"/>
-                                        </p:tgtEl>
-                                        <p:attrNameLst>
-                                          <p:attrName>style.visibility</p:attrName>
-                                        </p:attrNameLst>
-                                      </p:cBhvr>
-                                      <p:to>
-                                        <p:strVal val="visible"/>
-                                      </p:to>
-                                    </p:set>
-                                  </p:childTnLst>
-                                </p:cTn>
-                              </p:par>
-                            </p:childTnLst>
-                          </p:cTn>
-                        </p:par>
-                      </p:childTnLst>
-                    </p:cTn>
-                  </p:par>
-                  <p:par>
-                    <p:cTn id="11" fill="hold">
-                      <p:stCondLst>
-                        <p:cond delay="indefinite"/>
-                      </p:stCondLst>
-                      <p:childTnLst>
-                        <p:par>
-                          <p:cTn id="12" fill="hold">
-                            <p:stCondLst>
-                              <p:cond delay="0"/>
-                            </p:stCondLst>
-                            <p:childTnLst>
-                              <p:par>
-                                <p:cTn id="13" presetID="1" presetClass="entr" presetSubtype="0" fill="hold" grpId="0" nodeType="clickEffect">
-                                  <p:stCondLst>
-                                    <p:cond delay="0"/>
-                                  </p:stCondLst>
-                                  <p:childTnLst>
-                                    <p:set>
-                                      <p:cBhvr>
-                                        <p:cTn id="14" dur="1" fill="hold">
-                                          <p:stCondLst>
-                                            <p:cond delay="0"/>
-                                          </p:stCondLst>
-                                        </p:cTn>
-                                        <p:tgtEl>
-                                          <p:spTgt spid="145416"/>
-                                        </p:tgtEl>
-                                        <p:attrNameLst>
-                                          <p:attrName>style.visibility</p:attrName>
-                                        </p:attrNameLst>
-                                      </p:cBhvr>
-                                      <p:to>
-                                        <p:strVal val="visible"/>
-                                      </p:to>
-                                    </p:set>
-                                  </p:childTnLst>
-                                </p:cTn>
-                              </p:par>
-                            </p:childTnLst>
-                          </p:cTn>
-                        </p:par>
-                      </p:childTnLst>
-                    </p:cTn>
-                  </p:par>
-                </p:childTnLst>
-              </p:cTn>
-              <p:prevCondLst>
-                <p:cond evt="onPrev" delay="0">
-                  <p:tgtEl>
-                    <p:sldTgt/>
-                  </p:tgtEl>
-                </p:cond>
-              </p:prevCondLst>
-              <p:nextCondLst>
-                <p:cond evt="onNext" delay="0">
-                  <p:tgtEl>
-                    <p:sldTgt/>
-                  </p:tgtEl>
-                </p:cond>
-              </p:nextCondLst>
-            </p:seq>
-          </p:childTnLst>
-        </p:cTn>
-      </p:par>
-    </p:tnLst>
-    <p:bldLst>
-      <p:bldP spid="145413" grpId="0" autoUpdateAnimBg="0"/>
-      <p:bldP spid="145417" grpId="0" animBg="1"/>
-      <p:bldP spid="145416" grpId="0" animBg="1"/>
-    </p:bldLst>
-  </p:timing>
-</p:sld>
-</file>
-
 <file path=ppt/slides/slide3.xml><?xml version="1.0" encoding="utf-8"?>
 <p:sld xmlns:a="http://schemas.openxmlformats.org/drawingml/2006/main" xmlns:r="http://schemas.openxmlformats.org/officeDocument/2006/relationships" xmlns:p="http://schemas.openxmlformats.org/presentationml/2006/main">
   <p:cSld>
@@ -27874,6 +27536,21 @@
                         </a:rPr>
                         <a:t>1</a:t>
                       </a:r>
+                      <a:r>
+                        <a:rPr kumimoji="0" lang="en-US" sz="1600" b="1" i="0" u="none" strike="noStrike" cap="none" normalizeH="0" baseline="0">
+                          <a:ln>
+                            <a:noFill/>
+                          </a:ln>
+                          <a:solidFill>
+                            <a:schemeClr val="tx1"/>
+                          </a:solidFill>
+                          <a:effectLst/>
+                          <a:latin typeface="Arial" charset="0"/>
+                          <a:ea typeface="Times New Roman" pitchFamily="18" charset="0"/>
+                          <a:cs typeface="Arial" charset="0"/>
+                        </a:rPr>
+                        <a:t/>
+                      </a:r>
                       <a:br>
                         <a:rPr kumimoji="0" lang="en-US" sz="1600" b="1" i="0" u="none" strike="noStrike" cap="none" normalizeH="0" baseline="0">
                           <a:ln>
@@ -28014,6 +27691,21 @@
                           <a:hlinkClick r:id="rId3"/>
                         </a:rPr>
                         <a:t>1</a:t>
+                      </a:r>
+                      <a:r>
+                        <a:rPr kumimoji="0" lang="en-US" sz="1600" b="1" i="0" u="none" strike="noStrike" cap="none" normalizeH="0" baseline="0">
+                          <a:ln>
+                            <a:noFill/>
+                          </a:ln>
+                          <a:solidFill>
+                            <a:schemeClr val="tx1"/>
+                          </a:solidFill>
+                          <a:effectLst/>
+                          <a:latin typeface="Arial" charset="0"/>
+                          <a:ea typeface="Times New Roman" pitchFamily="18" charset="0"/>
+                          <a:cs typeface="Arial" charset="0"/>
+                        </a:rPr>
+                        <a:t/>
                       </a:r>
                       <a:br>
                         <a:rPr kumimoji="0" lang="en-US" sz="1600" b="1" i="0" u="none" strike="noStrike" cap="none" normalizeH="0" baseline="0">
@@ -29690,10 +29382,685 @@
   <p:transition>
     <p:fade/>
   </p:transition>
+  <p:timing>
+    <p:tnLst>
+      <p:par>
+        <p:cTn id="1" dur="indefinite" restart="never" nodeType="tmRoot"/>
+      </p:par>
+    </p:tnLst>
+  </p:timing>
 </p:sld>
 </file>
 
 <file path=ppt/slides/slide30.xml><?xml version="1.0" encoding="utf-8"?>
+<p:sld xmlns:a="http://schemas.openxmlformats.org/drawingml/2006/main" xmlns:r="http://schemas.openxmlformats.org/officeDocument/2006/relationships" xmlns:p="http://schemas.openxmlformats.org/presentationml/2006/main">
+  <p:cSld>
+    <p:spTree>
+      <p:nvGrpSpPr>
+        <p:cNvPr id="1" name=""/>
+        <p:cNvGrpSpPr/>
+        <p:nvPr/>
+      </p:nvGrpSpPr>
+      <p:grpSpPr>
+        <a:xfrm>
+          <a:off x="0" y="0"/>
+          <a:ext cx="0" cy="0"/>
+          <a:chOff x="0" y="0"/>
+          <a:chExt cx="0" cy="0"/>
+        </a:xfrm>
+      </p:grpSpPr>
+      <p:sp>
+        <p:nvSpPr>
+          <p:cNvPr id="145410" name="Rectangle 2"/>
+          <p:cNvSpPr>
+            <a:spLocks noGrp="1" noChangeArrowheads="1"/>
+          </p:cNvSpPr>
+          <p:nvPr>
+            <p:ph type="title"/>
+          </p:nvPr>
+        </p:nvSpPr>
+        <p:spPr>
+          <a:effectLst/>
+        </p:spPr>
+        <p:txBody>
+          <a:bodyPr/>
+          <a:lstStyle/>
+          <a:p>
+            <a:r>
+              <a:rPr lang="en-US" dirty="0"/>
+              <a:t>Chlorine and pH</a:t>
+            </a:r>
+          </a:p>
+        </p:txBody>
+      </p:sp>
+      <p:sp>
+        <p:nvSpPr>
+          <p:cNvPr id="145411" name="Rectangle 3"/>
+          <p:cNvSpPr>
+            <a:spLocks noGrp="1" noChangeArrowheads="1"/>
+          </p:cNvSpPr>
+          <p:nvPr>
+            <p:ph idx="1"/>
+          </p:nvPr>
+        </p:nvSpPr>
+        <p:spPr>
+          <a:xfrm>
+            <a:off x="242888" y="1981200"/>
+            <a:ext cx="4002087" cy="4656138"/>
+          </a:xfrm>
+        </p:spPr>
+        <p:txBody>
+          <a:bodyPr/>
+          <a:lstStyle/>
+          <a:p>
+            <a:r>
+              <a:rPr lang="en-US" sz="2800">
+                <a:solidFill>
+                  <a:schemeClr val="accent1"/>
+                </a:solidFill>
+                <a:sym typeface="Symbol" pitchFamily="18" charset="2"/>
+              </a:rPr>
+              <a:t>HOCl</a:t>
+            </a:r>
+            <a:r>
+              <a:rPr lang="en-US" sz="2800">
+                <a:sym typeface="Symbol" pitchFamily="18" charset="2"/>
+              </a:rPr>
+              <a:t> is the more effective disinfectant</a:t>
+            </a:r>
+          </a:p>
+          <a:p>
+            <a:r>
+              <a:rPr lang="en-US" sz="2800">
+                <a:sym typeface="Symbol" pitchFamily="18" charset="2"/>
+              </a:rPr>
+              <a:t>Therefore chlorine disinfection is more effective at ________ pH</a:t>
+            </a:r>
+          </a:p>
+          <a:p>
+            <a:r>
+              <a:rPr lang="en-US" sz="2800">
+                <a:sym typeface="Symbol" pitchFamily="18" charset="2"/>
+              </a:rPr>
+              <a:t>Dissociation constant is 10</a:t>
+            </a:r>
+            <a:r>
+              <a:rPr lang="en-US" sz="2800" baseline="30000">
+                <a:sym typeface="Symbol" pitchFamily="18" charset="2"/>
+              </a:rPr>
+              <a:t>-7.5</a:t>
+            </a:r>
+          </a:p>
+          <a:p>
+            <a:r>
+              <a:rPr lang="en-US" sz="2800">
+                <a:solidFill>
+                  <a:schemeClr val="accent1"/>
+                </a:solidFill>
+                <a:sym typeface="Symbol" pitchFamily="18" charset="2"/>
+              </a:rPr>
+              <a:t>HOCl</a:t>
+            </a:r>
+            <a:r>
+              <a:rPr lang="en-US" sz="2800">
+                <a:sym typeface="Symbol" pitchFamily="18" charset="2"/>
+              </a:rPr>
+              <a:t> and </a:t>
+            </a:r>
+            <a:r>
+              <a:rPr lang="en-US" sz="2800">
+                <a:solidFill>
+                  <a:schemeClr val="accent2"/>
+                </a:solidFill>
+                <a:sym typeface="Symbol" pitchFamily="18" charset="2"/>
+              </a:rPr>
+              <a:t>OCl</a:t>
+            </a:r>
+            <a:r>
+              <a:rPr lang="en-US" sz="2800" baseline="30000">
+                <a:solidFill>
+                  <a:schemeClr val="accent2"/>
+                </a:solidFill>
+                <a:sym typeface="Symbol" pitchFamily="18" charset="2"/>
+              </a:rPr>
+              <a:t>-</a:t>
+            </a:r>
+            <a:r>
+              <a:rPr lang="en-US" sz="2800">
+                <a:sym typeface="Symbol" pitchFamily="18" charset="2"/>
+              </a:rPr>
+              <a:t> are in equilibrium at pH 7.5</a:t>
+            </a:r>
+          </a:p>
+          <a:p>
+            <a:endParaRPr lang="en-US" sz="2800"/>
+          </a:p>
+        </p:txBody>
+      </p:sp>
+      <p:graphicFrame>
+        <p:nvGraphicFramePr>
+          <p:cNvPr id="145412" name="Object 4"/>
+          <p:cNvGraphicFramePr>
+            <a:graphicFrameLocks noChangeAspect="1"/>
+          </p:cNvGraphicFramePr>
+          <p:nvPr/>
+        </p:nvGraphicFramePr>
+        <p:xfrm>
+          <a:off x="4010025" y="1944687"/>
+          <a:ext cx="5438775" cy="3586005"/>
+        </p:xfrm>
+        <a:graphic>
+          <a:graphicData uri="http://schemas.openxmlformats.org/presentationml/2006/ole">
+            <mc:AlternateContent xmlns:mc="http://schemas.openxmlformats.org/markup-compatibility/2006">
+              <mc:Choice xmlns:v="urn:schemas-microsoft-com:vml" Requires="v">
+                <p:oleObj spid="_x0000_s145452" name="Worksheet" r:id="rId5" imgW="7267643" imgH="4352835" progId="Excel.Sheet.8">
+                  <p:embed followColorScheme="full"/>
+                </p:oleObj>
+              </mc:Choice>
+              <mc:Fallback>
+                <p:oleObj name="Worksheet" r:id="rId5" imgW="7267643" imgH="4352835" progId="Excel.Sheet.8">
+                  <p:embed followColorScheme="full"/>
+                  <p:pic>
+                    <p:nvPicPr>
+                      <p:cNvPr id="0" name="Picture 4"/>
+                      <p:cNvPicPr>
+                        <a:picLocks noChangeAspect="1" noChangeArrowheads="1"/>
+                      </p:cNvPicPr>
+                      <p:nvPr/>
+                    </p:nvPicPr>
+                    <p:blipFill>
+                      <a:blip r:embed="rId6">
+                        <a:extLst>
+                          <a:ext uri="{28A0092B-C50C-407E-A947-70E740481C1C}">
+                            <a14:useLocalDpi xmlns:a14="http://schemas.microsoft.com/office/drawing/2010/main" val="0"/>
+                          </a:ext>
+                        </a:extLst>
+                      </a:blip>
+                      <a:srcRect/>
+                      <a:stretch>
+                        <a:fillRect/>
+                      </a:stretch>
+                    </p:blipFill>
+                    <p:spPr bwMode="auto">
+                      <a:xfrm>
+                        <a:off x="4010025" y="1944687"/>
+                        <a:ext cx="5438775" cy="3586005"/>
+                      </a:xfrm>
+                      <a:prstGeom prst="rect">
+                        <a:avLst/>
+                      </a:prstGeom>
+                      <a:noFill/>
+                      <a:ln>
+                        <a:noFill/>
+                      </a:ln>
+                      <a:effectLst/>
+                      <a:extLst>
+                        <a:ext uri="{909E8E84-426E-40DD-AFC4-6F175D3DCCD1}">
+                          <a14:hiddenFill xmlns:a14="http://schemas.microsoft.com/office/drawing/2010/main">
+                            <a:solidFill>
+                              <a:schemeClr val="bg1"/>
+                            </a:solidFill>
+                          </a14:hiddenFill>
+                        </a:ext>
+                        <a:ext uri="{91240B29-F687-4F45-9708-019B960494DF}">
+                          <a14:hiddenLine xmlns:a14="http://schemas.microsoft.com/office/drawing/2010/main" w="12700">
+                            <a:solidFill>
+                              <a:schemeClr val="tx1"/>
+                            </a:solidFill>
+                            <a:miter lim="800000"/>
+                            <a:headEnd type="none" w="lg" len="med"/>
+                            <a:tailEnd type="none" w="lg" len="med"/>
+                          </a14:hiddenLine>
+                        </a:ext>
+                        <a:ext uri="{AF507438-7753-43E0-B8FC-AC1667EBCBE1}">
+                          <a14:hiddenEffects xmlns:a14="http://schemas.microsoft.com/office/drawing/2010/main">
+                            <a:effectLst>
+                              <a:outerShdw dist="35921" dir="2700000" algn="ctr" rotWithShape="0">
+                                <a:schemeClr val="bg2"/>
+                              </a:outerShdw>
+                            </a:effectLst>
+                          </a14:hiddenEffects>
+                        </a:ext>
+                      </a:extLst>
+                    </p:spPr>
+                  </p:pic>
+                </p:oleObj>
+              </mc:Fallback>
+            </mc:AlternateContent>
+          </a:graphicData>
+        </a:graphic>
+      </p:graphicFrame>
+      <p:sp>
+        <p:nvSpPr>
+          <p:cNvPr id="145413" name="Comment 5"/>
+          <p:cNvSpPr>
+            <a:spLocks noChangeArrowheads="1"/>
+          </p:cNvSpPr>
+          <p:nvPr/>
+        </p:nvSpPr>
+        <p:spPr bwMode="auto">
+          <a:xfrm>
+            <a:off x="2446338" y="3733800"/>
+            <a:ext cx="793750" cy="579438"/>
+          </a:xfrm>
+          <a:prstGeom prst="rect">
+            <a:avLst/>
+          </a:prstGeom>
+          <a:noFill/>
+          <a:ln w="12700">
+            <a:noFill/>
+            <a:miter lim="800000"/>
+            <a:headEnd type="none" w="sm" len="sm"/>
+            <a:tailEnd type="none" w="sm" len="sm"/>
+          </a:ln>
+          <a:effectLst/>
+        </p:spPr>
+        <p:txBody>
+          <a:bodyPr wrap="none">
+            <a:spAutoFit/>
+          </a:bodyPr>
+          <a:lstStyle/>
+          <a:p>
+            <a:pPr>
+              <a:buClr>
+                <a:schemeClr val="hlink"/>
+              </a:buClr>
+              <a:buFont typeface="Monotype Sorts" pitchFamily="2" charset="2"/>
+              <a:buNone/>
+            </a:pPr>
+            <a:r>
+              <a:rPr lang="en-US" sz="3200">
+                <a:solidFill>
+                  <a:schemeClr val="folHlink"/>
+                </a:solidFill>
+              </a:rPr>
+              <a:t>low</a:t>
+            </a:r>
+          </a:p>
+        </p:txBody>
+      </p:sp>
+      <p:sp>
+        <p:nvSpPr>
+          <p:cNvPr id="145415" name="Rectangle 7"/>
+          <p:cNvSpPr>
+            <a:spLocks noChangeArrowheads="1"/>
+          </p:cNvSpPr>
+          <p:nvPr/>
+        </p:nvSpPr>
+        <p:spPr bwMode="auto">
+          <a:xfrm>
+            <a:off x="5168900" y="1754188"/>
+            <a:ext cx="3425825" cy="579437"/>
+          </a:xfrm>
+          <a:prstGeom prst="rect">
+            <a:avLst/>
+          </a:prstGeom>
+          <a:noFill/>
+          <a:ln w="12700">
+            <a:noFill/>
+            <a:miter lim="800000"/>
+            <a:headEnd type="none" w="lg" len="med"/>
+            <a:tailEnd type="none" w="lg" len="med"/>
+          </a:ln>
+          <a:effectLst/>
+        </p:spPr>
+        <p:txBody>
+          <a:bodyPr wrap="none">
+            <a:spAutoFit/>
+          </a:bodyPr>
+          <a:lstStyle/>
+          <a:p>
+            <a:r>
+              <a:rPr lang="en-US" sz="3200">
+                <a:solidFill>
+                  <a:schemeClr val="accent1"/>
+                </a:solidFill>
+                <a:sym typeface="Symbol" pitchFamily="18" charset="2"/>
+              </a:rPr>
+              <a:t>HOCl</a:t>
+            </a:r>
+            <a:r>
+              <a:rPr lang="en-US" sz="3200">
+                <a:sym typeface="Symbol" pitchFamily="18" charset="2"/>
+              </a:rPr>
+              <a:t>  H</a:t>
+            </a:r>
+            <a:r>
+              <a:rPr lang="en-US" sz="3200" baseline="30000">
+                <a:sym typeface="Symbol" pitchFamily="18" charset="2"/>
+              </a:rPr>
+              <a:t>+</a:t>
+            </a:r>
+            <a:r>
+              <a:rPr lang="en-US" sz="3200">
+                <a:sym typeface="Symbol" pitchFamily="18" charset="2"/>
+              </a:rPr>
+              <a:t> + </a:t>
+            </a:r>
+            <a:r>
+              <a:rPr lang="en-US" sz="3200">
+                <a:solidFill>
+                  <a:schemeClr val="accent2"/>
+                </a:solidFill>
+                <a:sym typeface="Symbol" pitchFamily="18" charset="2"/>
+              </a:rPr>
+              <a:t>OCl</a:t>
+            </a:r>
+            <a:r>
+              <a:rPr lang="en-US" sz="3200" baseline="30000">
+                <a:solidFill>
+                  <a:schemeClr val="accent2"/>
+                </a:solidFill>
+                <a:sym typeface="Symbol" pitchFamily="18" charset="2"/>
+              </a:rPr>
+              <a:t>-</a:t>
+            </a:r>
+          </a:p>
+        </p:txBody>
+      </p:sp>
+      <p:sp>
+        <p:nvSpPr>
+          <p:cNvPr id="145417" name="Line 9"/>
+          <p:cNvSpPr>
+            <a:spLocks noChangeShapeType="1"/>
+          </p:cNvSpPr>
+          <p:nvPr/>
+        </p:nvSpPr>
+        <p:spPr bwMode="auto">
+          <a:xfrm>
+            <a:off x="6951663" y="3200400"/>
+            <a:ext cx="0" cy="2189163"/>
+          </a:xfrm>
+          <a:prstGeom prst="line">
+            <a:avLst/>
+          </a:prstGeom>
+          <a:noFill/>
+          <a:ln w="12700">
+            <a:solidFill>
+              <a:schemeClr val="folHlink"/>
+            </a:solidFill>
+            <a:round/>
+            <a:headEnd type="none" w="lg" len="med"/>
+            <a:tailEnd type="none" w="lg" len="med"/>
+          </a:ln>
+          <a:effectLst/>
+        </p:spPr>
+        <p:txBody>
+          <a:bodyPr wrap="none" anchor="ctr">
+            <a:spAutoFit/>
+          </a:bodyPr>
+          <a:lstStyle/>
+          <a:p>
+            <a:endParaRPr lang="en-US"/>
+          </a:p>
+        </p:txBody>
+      </p:sp>
+      <p:sp>
+        <p:nvSpPr>
+          <p:cNvPr id="145416" name="Text Box 8"/>
+          <p:cNvSpPr txBox="1">
+            <a:spLocks noChangeArrowheads="1"/>
+          </p:cNvSpPr>
+          <p:nvPr/>
+        </p:nvSpPr>
+        <p:spPr bwMode="auto">
+          <a:xfrm>
+            <a:off x="6705600" y="4459288"/>
+            <a:ext cx="539750" cy="519112"/>
+          </a:xfrm>
+          <a:prstGeom prst="rect">
+            <a:avLst/>
+          </a:prstGeom>
+          <a:solidFill>
+            <a:schemeClr val="bg1"/>
+          </a:solidFill>
+          <a:ln w="12700">
+            <a:noFill/>
+            <a:miter lim="800000"/>
+            <a:headEnd type="none" w="lg" len="med"/>
+            <a:tailEnd type="none" w="lg" len="med"/>
+          </a:ln>
+          <a:effectLst/>
+        </p:spPr>
+        <p:txBody>
+          <a:bodyPr wrap="none">
+            <a:spAutoFit/>
+          </a:bodyPr>
+          <a:lstStyle/>
+          <a:p>
+            <a:r>
+              <a:rPr lang="en-US">
+                <a:solidFill>
+                  <a:schemeClr val="folHlink"/>
+                </a:solidFill>
+              </a:rPr>
+              <a:t>pk</a:t>
+            </a:r>
+          </a:p>
+        </p:txBody>
+      </p:sp>
+      <p:pic>
+        <p:nvPicPr>
+          <p:cNvPr id="7" name="Picture 6">
+            <a:extLst>
+              <a:ext uri="{FF2B5EF4-FFF2-40B4-BE49-F238E27FC236}">
+                <a16:creationId xmlns:a16="http://schemas.microsoft.com/office/drawing/2014/main" id="{497E78C2-BDB9-4666-95A1-F4ECF477E932}"/>
+              </a:ext>
+            </a:extLst>
+          </p:cNvPr>
+          <p:cNvPicPr>
+            <a:picLocks noChangeAspect="1"/>
+          </p:cNvPicPr>
+          <p:nvPr>
+            <p:custDataLst>
+              <p:tags r:id="rId2"/>
+            </p:custDataLst>
+          </p:nvPr>
+        </p:nvPicPr>
+        <p:blipFill>
+          <a:blip r:embed="rId7" cstate="print">
+            <a:extLst>
+              <a:ext uri="{28A0092B-C50C-407E-A947-70E740481C1C}">
+                <a14:useLocalDpi xmlns:a14="http://schemas.microsoft.com/office/drawing/2010/main" val="0"/>
+              </a:ext>
+            </a:extLst>
+          </a:blip>
+          <a:stretch>
+            <a:fillRect/>
+          </a:stretch>
+        </p:blipFill>
+        <p:spPr>
+          <a:xfrm>
+            <a:off x="4636837" y="5744738"/>
+            <a:ext cx="4278562" cy="718081"/>
+          </a:xfrm>
+          <a:prstGeom prst="rect">
+            <a:avLst/>
+          </a:prstGeom>
+        </p:spPr>
+      </p:pic>
+    </p:spTree>
+  </p:cSld>
+  <p:clrMapOvr>
+    <a:masterClrMapping/>
+  </p:clrMapOvr>
+  <p:transition>
+    <p:fade/>
+  </p:transition>
+  <p:timing>
+    <p:tnLst>
+      <p:par>
+        <p:cTn id="1" dur="indefinite" restart="never" nodeType="tmRoot">
+          <p:childTnLst>
+            <p:seq concurrent="1" nextAc="seek">
+              <p:cTn id="2" dur="indefinite" nodeType="mainSeq">
+                <p:childTnLst>
+                  <p:par>
+                    <p:cTn id="3" fill="hold">
+                      <p:stCondLst>
+                        <p:cond delay="indefinite"/>
+                      </p:stCondLst>
+                      <p:childTnLst>
+                        <p:par>
+                          <p:cTn id="4" fill="hold">
+                            <p:stCondLst>
+                              <p:cond delay="0"/>
+                            </p:stCondLst>
+                            <p:childTnLst>
+                              <p:par>
+                                <p:cTn id="5" presetID="1" presetClass="entr" presetSubtype="0" fill="hold" grpId="0" nodeType="clickEffect">
+                                  <p:stCondLst>
+                                    <p:cond delay="0"/>
+                                  </p:stCondLst>
+                                  <p:childTnLst>
+                                    <p:set>
+                                      <p:cBhvr>
+                                        <p:cTn id="6" dur="1" fill="hold">
+                                          <p:stCondLst>
+                                            <p:cond delay="499"/>
+                                          </p:stCondLst>
+                                        </p:cTn>
+                                        <p:tgtEl>
+                                          <p:spTgt spid="145413"/>
+                                        </p:tgtEl>
+                                        <p:attrNameLst>
+                                          <p:attrName>style.visibility</p:attrName>
+                                        </p:attrNameLst>
+                                      </p:cBhvr>
+                                      <p:to>
+                                        <p:strVal val="visible"/>
+                                      </p:to>
+                                    </p:set>
+                                  </p:childTnLst>
+                                </p:cTn>
+                              </p:par>
+                            </p:childTnLst>
+                          </p:cTn>
+                        </p:par>
+                      </p:childTnLst>
+                    </p:cTn>
+                  </p:par>
+                  <p:par>
+                    <p:cTn id="7" fill="hold">
+                      <p:stCondLst>
+                        <p:cond delay="indefinite"/>
+                      </p:stCondLst>
+                      <p:childTnLst>
+                        <p:par>
+                          <p:cTn id="8" fill="hold">
+                            <p:stCondLst>
+                              <p:cond delay="0"/>
+                            </p:stCondLst>
+                            <p:childTnLst>
+                              <p:par>
+                                <p:cTn id="9" presetID="1" presetClass="entr" presetSubtype="0" fill="hold" grpId="0" nodeType="clickEffect">
+                                  <p:stCondLst>
+                                    <p:cond delay="0"/>
+                                  </p:stCondLst>
+                                  <p:childTnLst>
+                                    <p:set>
+                                      <p:cBhvr>
+                                        <p:cTn id="10" dur="1" fill="hold">
+                                          <p:stCondLst>
+                                            <p:cond delay="0"/>
+                                          </p:stCondLst>
+                                        </p:cTn>
+                                        <p:tgtEl>
+                                          <p:spTgt spid="145417"/>
+                                        </p:tgtEl>
+                                        <p:attrNameLst>
+                                          <p:attrName>style.visibility</p:attrName>
+                                        </p:attrNameLst>
+                                      </p:cBhvr>
+                                      <p:to>
+                                        <p:strVal val="visible"/>
+                                      </p:to>
+                                    </p:set>
+                                  </p:childTnLst>
+                                </p:cTn>
+                              </p:par>
+                            </p:childTnLst>
+                          </p:cTn>
+                        </p:par>
+                      </p:childTnLst>
+                    </p:cTn>
+                  </p:par>
+                  <p:par>
+                    <p:cTn id="11" fill="hold">
+                      <p:stCondLst>
+                        <p:cond delay="indefinite"/>
+                      </p:stCondLst>
+                      <p:childTnLst>
+                        <p:par>
+                          <p:cTn id="12" fill="hold">
+                            <p:stCondLst>
+                              <p:cond delay="0"/>
+                            </p:stCondLst>
+                            <p:childTnLst>
+                              <p:par>
+                                <p:cTn id="13" presetID="1" presetClass="entr" presetSubtype="0" fill="hold" grpId="0" nodeType="clickEffect">
+                                  <p:stCondLst>
+                                    <p:cond delay="0"/>
+                                  </p:stCondLst>
+                                  <p:childTnLst>
+                                    <p:set>
+                                      <p:cBhvr>
+                                        <p:cTn id="14" dur="1" fill="hold">
+                                          <p:stCondLst>
+                                            <p:cond delay="0"/>
+                                          </p:stCondLst>
+                                        </p:cTn>
+                                        <p:tgtEl>
+                                          <p:spTgt spid="145416"/>
+                                        </p:tgtEl>
+                                        <p:attrNameLst>
+                                          <p:attrName>style.visibility</p:attrName>
+                                        </p:attrNameLst>
+                                      </p:cBhvr>
+                                      <p:to>
+                                        <p:strVal val="visible"/>
+                                      </p:to>
+                                    </p:set>
+                                  </p:childTnLst>
+                                </p:cTn>
+                              </p:par>
+                            </p:childTnLst>
+                          </p:cTn>
+                        </p:par>
+                      </p:childTnLst>
+                    </p:cTn>
+                  </p:par>
+                </p:childTnLst>
+              </p:cTn>
+              <p:prevCondLst>
+                <p:cond evt="onPrev" delay="0">
+                  <p:tgtEl>
+                    <p:sldTgt/>
+                  </p:tgtEl>
+                </p:cond>
+              </p:prevCondLst>
+              <p:nextCondLst>
+                <p:cond evt="onNext" delay="0">
+                  <p:tgtEl>
+                    <p:sldTgt/>
+                  </p:tgtEl>
+                </p:cond>
+              </p:nextCondLst>
+            </p:seq>
+          </p:childTnLst>
+        </p:cTn>
+      </p:par>
+    </p:tnLst>
+    <p:bldLst>
+      <p:bldP spid="145413" grpId="0" autoUpdateAnimBg="0"/>
+      <p:bldP spid="145417" grpId="0" animBg="1"/>
+      <p:bldP spid="145416" grpId="0" animBg="1"/>
+    </p:bldLst>
+  </p:timing>
+</p:sld>
+</file>
+
+<file path=ppt/slides/slide31.xml><?xml version="1.0" encoding="utf-8"?>
 <p:sld xmlns:a="http://schemas.openxmlformats.org/drawingml/2006/main" xmlns:r="http://schemas.openxmlformats.org/officeDocument/2006/relationships" xmlns:p="http://schemas.openxmlformats.org/presentationml/2006/main">
   <p:cSld>
     <p:spTree>
@@ -30132,7 +30499,7 @@
 </p:sld>
 </file>
 
-<file path=ppt/slides/slide31.xml><?xml version="1.0" encoding="utf-8"?>
+<file path=ppt/slides/slide32.xml><?xml version="1.0" encoding="utf-8"?>
 <p:sld xmlns:a="http://schemas.openxmlformats.org/drawingml/2006/main" xmlns:r="http://schemas.openxmlformats.org/officeDocument/2006/relationships" xmlns:p="http://schemas.openxmlformats.org/presentationml/2006/main">
   <p:cSld>
     <p:spTree>
@@ -30470,7 +30837,7 @@
 </p:sld>
 </file>
 
-<file path=ppt/slides/slide32.xml><?xml version="1.0" encoding="utf-8"?>
+<file path=ppt/slides/slide33.xml><?xml version="1.0" encoding="utf-8"?>
 <p:sld xmlns:a="http://schemas.openxmlformats.org/drawingml/2006/main" xmlns:r="http://schemas.openxmlformats.org/officeDocument/2006/relationships" xmlns:p="http://schemas.openxmlformats.org/presentationml/2006/main">
   <p:cSld>
     <p:spTree>
@@ -31264,7 +31631,7 @@
 </p:sld>
 </file>
 
-<file path=ppt/slides/slide33.xml><?xml version="1.0" encoding="utf-8"?>
+<file path=ppt/slides/slide34.xml><?xml version="1.0" encoding="utf-8"?>
 <p:sld xmlns:a="http://schemas.openxmlformats.org/drawingml/2006/main" xmlns:r="http://schemas.openxmlformats.org/officeDocument/2006/relationships" xmlns:p="http://schemas.openxmlformats.org/presentationml/2006/main">
   <p:cSld>
     <p:spTree>
@@ -31785,7 +32152,7 @@
 </p:sld>
 </file>
 
-<file path=ppt/slides/slide34.xml><?xml version="1.0" encoding="utf-8"?>
+<file path=ppt/slides/slide35.xml><?xml version="1.0" encoding="utf-8"?>
 <p:sld xmlns:a="http://schemas.openxmlformats.org/drawingml/2006/main" xmlns:r="http://schemas.openxmlformats.org/officeDocument/2006/relationships" xmlns:p="http://schemas.openxmlformats.org/presentationml/2006/main">
   <p:cSld>
     <p:spTree>
@@ -32011,6 +32378,21 @@
                           <a:hlinkClick r:id="rId3"/>
                         </a:rPr>
                         <a:t>1</a:t>
+                      </a:r>
+                      <a:r>
+                        <a:rPr kumimoji="0" lang="en-US" sz="1600" b="1" i="0" u="none" strike="noStrike" cap="none" normalizeH="0" baseline="0">
+                          <a:ln>
+                            <a:noFill/>
+                          </a:ln>
+                          <a:solidFill>
+                            <a:schemeClr val="tx1"/>
+                          </a:solidFill>
+                          <a:effectLst/>
+                          <a:latin typeface="Arial" charset="0"/>
+                          <a:ea typeface="Times New Roman" pitchFamily="18" charset="0"/>
+                          <a:cs typeface="Arial" charset="0"/>
+                        </a:rPr>
+                        <a:t/>
                       </a:r>
                       <a:br>
                         <a:rPr kumimoji="0" lang="en-US" sz="1600" b="1" i="0" u="none" strike="noStrike" cap="none" normalizeH="0" baseline="0">
@@ -33718,6 +34100,21 @@
                         </a:rPr>
                         <a:t>7</a:t>
                       </a:r>
+                      <a:r>
+                        <a:rPr kumimoji="0" lang="en-US" sz="1600" b="0" i="0" u="none" strike="noStrike" cap="none" normalizeH="0" baseline="0">
+                          <a:ln>
+                            <a:noFill/>
+                          </a:ln>
+                          <a:solidFill>
+                            <a:srgbClr val="000000"/>
+                          </a:solidFill>
+                          <a:effectLst/>
+                          <a:latin typeface="Arial" charset="0"/>
+                          <a:ea typeface="Times New Roman" pitchFamily="18" charset="0"/>
+                          <a:cs typeface="Arial" charset="0"/>
+                        </a:rPr>
+                        <a:t/>
+                      </a:r>
                       <a:br>
                         <a:rPr kumimoji="0" lang="en-US" sz="1600" b="0" i="0" u="none" strike="noStrike" cap="none" normalizeH="0" baseline="0">
                           <a:ln>
@@ -34154,7 +34551,7 @@
 </p:sld>
 </file>
 
-<file path=ppt/slides/slide35.xml><?xml version="1.0" encoding="utf-8"?>
+<file path=ppt/slides/slide36.xml><?xml version="1.0" encoding="utf-8"?>
 <p:sld xmlns:a="http://schemas.openxmlformats.org/drawingml/2006/main" xmlns:r="http://schemas.openxmlformats.org/officeDocument/2006/relationships" xmlns:p="http://schemas.openxmlformats.org/presentationml/2006/main">
   <p:cSld>
     <p:spTree>
@@ -34279,8 +34676,8 @@
         </p:blipFill>
         <p:spPr>
           <a:xfrm>
-            <a:off x="7200900" y="6235417"/>
-            <a:ext cx="1857375" cy="393261"/>
+            <a:off x="5975328" y="5975927"/>
+            <a:ext cx="3082948" cy="652751"/>
           </a:xfrm>
           <a:prstGeom prst="rect">
             <a:avLst/>
@@ -34298,7 +34695,7 @@
 </p:sld>
 </file>
 
-<file path=ppt/slides/slide36.xml><?xml version="1.0" encoding="utf-8"?>
+<file path=ppt/slides/slide37.xml><?xml version="1.0" encoding="utf-8"?>
 <p:sld xmlns:a="http://schemas.openxmlformats.org/drawingml/2006/main" xmlns:r="http://schemas.openxmlformats.org/officeDocument/2006/relationships" xmlns:p="http://schemas.openxmlformats.org/presentationml/2006/main">
   <p:cSld>
     <p:spTree>
@@ -34396,7 +34793,7 @@
           <a:graphicData uri="http://schemas.openxmlformats.org/presentationml/2006/ole">
             <mc:AlternateContent xmlns:mc="http://schemas.openxmlformats.org/markup-compatibility/2006">
               <mc:Choice xmlns:v="urn:schemas-microsoft-com:vml" Requires="v">
-                <p:oleObj spid="_x0000_s154644" name="Worksheet" r:id="rId4" imgW="5524500" imgH="3562440" progId="Excel.Sheet.8">
+                <p:oleObj spid="_x0000_s154647" name="Worksheet" r:id="rId4" imgW="5524500" imgH="3562440" progId="Excel.Sheet.8">
                   <p:embed followColorScheme="full"/>
                 </p:oleObj>
               </mc:Choice>
@@ -34484,7 +34881,7 @@
 </p:sld>
 </file>
 
-<file path=ppt/slides/slide37.xml><?xml version="1.0" encoding="utf-8"?>
+<file path=ppt/slides/slide38.xml><?xml version="1.0" encoding="utf-8"?>
 <p:sld xmlns:a="http://schemas.openxmlformats.org/drawingml/2006/main" xmlns:r="http://schemas.openxmlformats.org/officeDocument/2006/relationships" xmlns:p="http://schemas.openxmlformats.org/presentationml/2006/main">
   <p:cSld>
     <p:spTree>
@@ -34790,7 +35187,7 @@
 </p:sld>
 </file>
 
-<file path=ppt/slides/slide38.xml><?xml version="1.0" encoding="utf-8"?>
+<file path=ppt/slides/slide39.xml><?xml version="1.0" encoding="utf-8"?>
 <p:sld xmlns:a="http://schemas.openxmlformats.org/drawingml/2006/main" xmlns:r="http://schemas.openxmlformats.org/officeDocument/2006/relationships" xmlns:p="http://schemas.openxmlformats.org/presentationml/2006/main">
   <p:cSld>
     <p:spTree>
@@ -34875,99 +35272,6 @@
           </a:p>
           <a:p>
             <a:endParaRPr lang="en-US" sz="2400" dirty="0"/>
-          </a:p>
-        </p:txBody>
-      </p:sp>
-    </p:spTree>
-  </p:cSld>
-  <p:clrMapOvr>
-    <a:masterClrMapping/>
-  </p:clrMapOvr>
-  <p:transition>
-    <p:fade/>
-  </p:transition>
-</p:sld>
-</file>
-
-<file path=ppt/slides/slide39.xml><?xml version="1.0" encoding="utf-8"?>
-<p:sld xmlns:a="http://schemas.openxmlformats.org/drawingml/2006/main" xmlns:r="http://schemas.openxmlformats.org/officeDocument/2006/relationships" xmlns:p="http://schemas.openxmlformats.org/presentationml/2006/main">
-  <p:cSld>
-    <p:spTree>
-      <p:nvGrpSpPr>
-        <p:cNvPr id="1" name=""/>
-        <p:cNvGrpSpPr/>
-        <p:nvPr/>
-      </p:nvGrpSpPr>
-      <p:grpSpPr>
-        <a:xfrm>
-          <a:off x="0" y="0"/>
-          <a:ext cx="0" cy="0"/>
-          <a:chOff x="0" y="0"/>
-          <a:chExt cx="0" cy="0"/>
-        </a:xfrm>
-      </p:grpSpPr>
-      <p:sp>
-        <p:nvSpPr>
-          <p:cNvPr id="2" name="Title 1"/>
-          <p:cNvSpPr>
-            <a:spLocks noGrp="1"/>
-          </p:cNvSpPr>
-          <p:nvPr>
-            <p:ph type="title"/>
-          </p:nvPr>
-        </p:nvSpPr>
-        <p:spPr/>
-        <p:txBody>
-          <a:bodyPr/>
-          <a:lstStyle/>
-          <a:p>
-            <a:r>
-              <a:rPr lang="en-US" dirty="0"/>
-              <a:t>Confusions</a:t>
-            </a:r>
-          </a:p>
-        </p:txBody>
-      </p:sp>
-      <p:sp>
-        <p:nvSpPr>
-          <p:cNvPr id="3" name="Content Placeholder 2"/>
-          <p:cNvSpPr>
-            <a:spLocks noGrp="1"/>
-          </p:cNvSpPr>
-          <p:nvPr>
-            <p:ph idx="1"/>
-          </p:nvPr>
-        </p:nvSpPr>
-        <p:spPr/>
-        <p:txBody>
-          <a:bodyPr/>
-          <a:lstStyle/>
-          <a:p>
-            <a:r>
-              <a:rPr lang="en-US" dirty="0"/>
-              <a:t>The importance of chlorine residual for protection against recontamination is unclear </a:t>
-            </a:r>
-          </a:p>
-          <a:p>
-            <a:r>
-              <a:rPr lang="en-US" dirty="0"/>
-              <a:t>There are negative health effects to chlorination</a:t>
-            </a:r>
-          </a:p>
-          <a:p>
-            <a:r>
-              <a:rPr lang="en-US" dirty="0"/>
-              <a:t>Chlorine dosages should be kept as low as possible</a:t>
-            </a:r>
-          </a:p>
-          <a:p>
-            <a:r>
-              <a:rPr lang="en-US" dirty="0"/>
-              <a:t>Removal of dissolved organics is important to reduce disinfection byproduct formation</a:t>
-            </a:r>
-          </a:p>
-          <a:p>
-            <a:endParaRPr lang="en-US" dirty="0"/>
           </a:p>
         </p:txBody>
       </p:sp>
@@ -35209,6 +35513,106 @@
   <p:transition>
     <p:fade/>
   </p:transition>
+  <p:timing>
+    <p:tnLst>
+      <p:par>
+        <p:cTn id="1" dur="indefinite" restart="never" nodeType="tmRoot"/>
+      </p:par>
+    </p:tnLst>
+  </p:timing>
+</p:sld>
+</file>
+
+<file path=ppt/slides/slide40.xml><?xml version="1.0" encoding="utf-8"?>
+<p:sld xmlns:a="http://schemas.openxmlformats.org/drawingml/2006/main" xmlns:r="http://schemas.openxmlformats.org/officeDocument/2006/relationships" xmlns:p="http://schemas.openxmlformats.org/presentationml/2006/main">
+  <p:cSld>
+    <p:spTree>
+      <p:nvGrpSpPr>
+        <p:cNvPr id="1" name=""/>
+        <p:cNvGrpSpPr/>
+        <p:nvPr/>
+      </p:nvGrpSpPr>
+      <p:grpSpPr>
+        <a:xfrm>
+          <a:off x="0" y="0"/>
+          <a:ext cx="0" cy="0"/>
+          <a:chOff x="0" y="0"/>
+          <a:chExt cx="0" cy="0"/>
+        </a:xfrm>
+      </p:grpSpPr>
+      <p:sp>
+        <p:nvSpPr>
+          <p:cNvPr id="2" name="Title 1"/>
+          <p:cNvSpPr>
+            <a:spLocks noGrp="1"/>
+          </p:cNvSpPr>
+          <p:nvPr>
+            <p:ph type="title"/>
+          </p:nvPr>
+        </p:nvSpPr>
+        <p:spPr/>
+        <p:txBody>
+          <a:bodyPr/>
+          <a:lstStyle/>
+          <a:p>
+            <a:r>
+              <a:rPr lang="en-US" dirty="0"/>
+              <a:t>Confusions</a:t>
+            </a:r>
+          </a:p>
+        </p:txBody>
+      </p:sp>
+      <p:sp>
+        <p:nvSpPr>
+          <p:cNvPr id="3" name="Content Placeholder 2"/>
+          <p:cNvSpPr>
+            <a:spLocks noGrp="1"/>
+          </p:cNvSpPr>
+          <p:nvPr>
+            <p:ph idx="1"/>
+          </p:nvPr>
+        </p:nvSpPr>
+        <p:spPr/>
+        <p:txBody>
+          <a:bodyPr/>
+          <a:lstStyle/>
+          <a:p>
+            <a:r>
+              <a:rPr lang="en-US" dirty="0"/>
+              <a:t>The importance of chlorine residual for protection against recontamination is unclear </a:t>
+            </a:r>
+          </a:p>
+          <a:p>
+            <a:r>
+              <a:rPr lang="en-US" dirty="0"/>
+              <a:t>There are negative health effects to chlorination</a:t>
+            </a:r>
+          </a:p>
+          <a:p>
+            <a:r>
+              <a:rPr lang="en-US" dirty="0"/>
+              <a:t>Chlorine dosages should be kept as low as possible</a:t>
+            </a:r>
+          </a:p>
+          <a:p>
+            <a:r>
+              <a:rPr lang="en-US" dirty="0"/>
+              <a:t>Removal of dissolved organics is important to reduce disinfection byproduct formation</a:t>
+            </a:r>
+          </a:p>
+          <a:p>
+            <a:endParaRPr lang="en-US" dirty="0"/>
+          </a:p>
+        </p:txBody>
+      </p:sp>
+    </p:spTree>
+  </p:cSld>
+  <p:clrMapOvr>
+    <a:masterClrMapping/>
+  </p:clrMapOvr>
+  <p:transition>
+    <p:fade/>
+  </p:transition>
 </p:sld>
 </file>
 
@@ -35396,6 +35800,13 @@
   <p:transition>
     <p:fade/>
   </p:transition>
+  <p:timing>
+    <p:tnLst>
+      <p:par>
+        <p:cTn id="1" dur="indefinite" restart="never" nodeType="tmRoot"/>
+      </p:par>
+    </p:tnLst>
+  </p:timing>
 </p:sld>
 </file>
 
@@ -35533,6 +35944,13 @@
   <p:transition>
     <p:fade/>
   </p:transition>
+  <p:timing>
+    <p:tnLst>
+      <p:par>
+        <p:cTn id="1" dur="indefinite" restart="never" nodeType="tmRoot"/>
+      </p:par>
+    </p:tnLst>
+  </p:timing>
 </p:sld>
 </file>
 
@@ -36040,6 +36458,13 @@
   <p:transition>
     <p:fade/>
   </p:transition>
+  <p:timing>
+    <p:tnLst>
+      <p:par>
+        <p:cTn id="1" dur="indefinite" restart="never" nodeType="tmRoot"/>
+      </p:par>
+    </p:tnLst>
+  </p:timing>
 </p:sld>
 </file>
 
